--- a/presentation.pptx
+++ b/presentation.pptx
@@ -718,7 +718,7 @@
           </a:lstStyle>
           <a:p>
             <a:r>
-              <a:rPr lang="en-US" smtClean="0"/>
+              <a:rPr lang="en-US"/>
               <a:t>Click to edit Master title style</a:t>
             </a:r>
             <a:endParaRPr lang="en-US" dirty="0"/>
@@ -838,7 +838,7 @@
           </a:lstStyle>
           <a:p>
             <a:r>
-              <a:rPr lang="en-US" smtClean="0"/>
+              <a:rPr lang="en-US"/>
               <a:t>Click to edit Master subtitle style</a:t>
             </a:r>
             <a:endParaRPr lang="en-US" dirty="0"/>
@@ -967,7 +967,7 @@
           </a:lstStyle>
           <a:p>
             <a:r>
-              <a:rPr lang="en-US" smtClean="0"/>
+              <a:rPr lang="en-US"/>
               <a:t>Click to edit Master title style</a:t>
             </a:r>
             <a:endParaRPr lang="en-US" dirty="0"/>
@@ -1090,7 +1090,7 @@
           <a:p>
             <a:pPr lvl="0"/>
             <a:r>
-              <a:rPr lang="en-US" smtClean="0"/>
+              <a:rPr lang="en-US"/>
               <a:t>Click to edit Master text styles</a:t>
             </a:r>
           </a:p>
@@ -1218,7 +1218,7 @@
           </a:lstStyle>
           <a:p>
             <a:r>
-              <a:rPr lang="en-US" smtClean="0"/>
+              <a:rPr lang="en-US"/>
               <a:t>Click to edit Master title style</a:t>
             </a:r>
             <a:endParaRPr lang="en-US" dirty="0"/>
@@ -1282,7 +1282,7 @@
           <a:p>
             <a:pPr lvl="0"/>
             <a:r>
-              <a:rPr lang="en-US" smtClean="0"/>
+              <a:rPr lang="en-US"/>
               <a:t>Click to edit Master text styles</a:t>
             </a:r>
           </a:p>
@@ -1404,7 +1404,7 @@
           <a:p>
             <a:pPr lvl="0"/>
             <a:r>
-              <a:rPr lang="en-US" smtClean="0"/>
+              <a:rPr lang="en-US"/>
               <a:t>Click to edit Master text styles</a:t>
             </a:r>
           </a:p>
@@ -1608,7 +1608,7 @@
           </a:lstStyle>
           <a:p>
             <a:r>
-              <a:rPr lang="en-US" smtClean="0"/>
+              <a:rPr lang="en-US"/>
               <a:t>Click to edit Master title style</a:t>
             </a:r>
             <a:endParaRPr lang="en-US" dirty="0"/>
@@ -1731,7 +1731,7 @@
           <a:p>
             <a:pPr lvl="0"/>
             <a:r>
-              <a:rPr lang="en-US" smtClean="0"/>
+              <a:rPr lang="en-US"/>
               <a:t>Click to edit Master text styles</a:t>
             </a:r>
           </a:p>
@@ -1859,7 +1859,7 @@
           </a:lstStyle>
           <a:p>
             <a:r>
-              <a:rPr lang="en-US" smtClean="0"/>
+              <a:rPr lang="en-US"/>
               <a:t>Click to edit Master title style</a:t>
             </a:r>
             <a:endParaRPr lang="en-US" dirty="0"/>
@@ -1923,7 +1923,7 @@
           <a:p>
             <a:pPr lvl="0"/>
             <a:r>
-              <a:rPr lang="en-US" smtClean="0"/>
+              <a:rPr lang="en-US"/>
               <a:t>Click to edit Master text styles</a:t>
             </a:r>
           </a:p>
@@ -2045,7 +2045,7 @@
           <a:p>
             <a:pPr lvl="0"/>
             <a:r>
-              <a:rPr lang="en-US" smtClean="0"/>
+              <a:rPr lang="en-US"/>
               <a:t>Click to edit Master text styles</a:t>
             </a:r>
           </a:p>
@@ -2249,7 +2249,7 @@
           </a:lstStyle>
           <a:p>
             <a:r>
-              <a:rPr lang="en-US" smtClean="0"/>
+              <a:rPr lang="en-US"/>
               <a:t>Click to edit Master title style</a:t>
             </a:r>
             <a:endParaRPr lang="en-US" dirty="0"/>
@@ -2310,7 +2310,7 @@
           <a:p>
             <a:pPr lvl="0"/>
             <a:r>
-              <a:rPr lang="en-US" smtClean="0"/>
+              <a:rPr lang="en-US"/>
               <a:t>Click to edit Master text styles</a:t>
             </a:r>
           </a:p>
@@ -2432,7 +2432,7 @@
           <a:p>
             <a:pPr lvl="0"/>
             <a:r>
-              <a:rPr lang="en-US" smtClean="0"/>
+              <a:rPr lang="en-US"/>
               <a:t>Click to edit Master text styles</a:t>
             </a:r>
           </a:p>
@@ -2549,7 +2549,7 @@
           <a:lstStyle/>
           <a:p>
             <a:r>
-              <a:rPr lang="en-US" smtClean="0"/>
+              <a:rPr lang="en-US"/>
               <a:t>Click to edit Master title style</a:t>
             </a:r>
             <a:endParaRPr lang="en-US" dirty="0"/>
@@ -2573,35 +2573,35 @@
           <a:p>
             <a:pPr lvl="0"/>
             <a:r>
-              <a:rPr lang="en-US" smtClean="0"/>
+              <a:rPr lang="en-US"/>
               <a:t>Click to edit Master text styles</a:t>
             </a:r>
           </a:p>
           <a:p>
             <a:pPr lvl="1"/>
             <a:r>
-              <a:rPr lang="en-US" smtClean="0"/>
+              <a:rPr lang="en-US"/>
               <a:t>Second level</a:t>
             </a:r>
           </a:p>
           <a:p>
             <a:pPr lvl="2"/>
             <a:r>
-              <a:rPr lang="en-US" smtClean="0"/>
+              <a:rPr lang="en-US"/>
               <a:t>Third level</a:t>
             </a:r>
           </a:p>
           <a:p>
             <a:pPr lvl="3"/>
             <a:r>
-              <a:rPr lang="en-US" smtClean="0"/>
+              <a:rPr lang="en-US"/>
               <a:t>Fourth level</a:t>
             </a:r>
           </a:p>
           <a:p>
             <a:pPr lvl="4"/>
             <a:r>
-              <a:rPr lang="en-US" smtClean="0"/>
+              <a:rPr lang="en-US"/>
               <a:t>Fifth level</a:t>
             </a:r>
             <a:endParaRPr lang="en-US" dirty="0"/>
@@ -2724,7 +2724,7 @@
           <a:lstStyle/>
           <a:p>
             <a:r>
-              <a:rPr lang="en-US" smtClean="0"/>
+              <a:rPr lang="en-US"/>
               <a:t>Click to edit Master title style</a:t>
             </a:r>
             <a:endParaRPr lang="en-US" dirty="0"/>
@@ -2753,35 +2753,35 @@
           <a:p>
             <a:pPr lvl="0"/>
             <a:r>
-              <a:rPr lang="en-US" smtClean="0"/>
+              <a:rPr lang="en-US"/>
               <a:t>Click to edit Master text styles</a:t>
             </a:r>
           </a:p>
           <a:p>
             <a:pPr lvl="1"/>
             <a:r>
-              <a:rPr lang="en-US" smtClean="0"/>
+              <a:rPr lang="en-US"/>
               <a:t>Second level</a:t>
             </a:r>
           </a:p>
           <a:p>
             <a:pPr lvl="2"/>
             <a:r>
-              <a:rPr lang="en-US" smtClean="0"/>
+              <a:rPr lang="en-US"/>
               <a:t>Third level</a:t>
             </a:r>
           </a:p>
           <a:p>
             <a:pPr lvl="3"/>
             <a:r>
-              <a:rPr lang="en-US" smtClean="0"/>
+              <a:rPr lang="en-US"/>
               <a:t>Fourth level</a:t>
             </a:r>
           </a:p>
           <a:p>
             <a:pPr lvl="4"/>
             <a:r>
-              <a:rPr lang="en-US" smtClean="0"/>
+              <a:rPr lang="en-US"/>
               <a:t>Fifth level</a:t>
             </a:r>
             <a:endParaRPr lang="en-US" dirty="0"/>
@@ -2899,7 +2899,7 @@
           <a:lstStyle/>
           <a:p>
             <a:r>
-              <a:rPr lang="en-US" smtClean="0"/>
+              <a:rPr lang="en-US"/>
               <a:t>Click to edit Master title style</a:t>
             </a:r>
             <a:endParaRPr lang="en-US" dirty="0"/>
@@ -2923,35 +2923,35 @@
           <a:p>
             <a:pPr lvl="0"/>
             <a:r>
-              <a:rPr lang="en-US" smtClean="0"/>
+              <a:rPr lang="en-US"/>
               <a:t>Click to edit Master text styles</a:t>
             </a:r>
           </a:p>
           <a:p>
             <a:pPr lvl="1"/>
             <a:r>
-              <a:rPr lang="en-US" smtClean="0"/>
+              <a:rPr lang="en-US"/>
               <a:t>Second level</a:t>
             </a:r>
           </a:p>
           <a:p>
             <a:pPr lvl="2"/>
             <a:r>
-              <a:rPr lang="en-US" smtClean="0"/>
+              <a:rPr lang="en-US"/>
               <a:t>Third level</a:t>
             </a:r>
           </a:p>
           <a:p>
             <a:pPr lvl="3"/>
             <a:r>
-              <a:rPr lang="en-US" smtClean="0"/>
+              <a:rPr lang="en-US"/>
               <a:t>Fourth level</a:t>
             </a:r>
           </a:p>
           <a:p>
             <a:pPr lvl="4"/>
             <a:r>
-              <a:rPr lang="en-US" smtClean="0"/>
+              <a:rPr lang="en-US"/>
               <a:t>Fifth level</a:t>
             </a:r>
             <a:endParaRPr lang="en-US" dirty="0"/>
@@ -3078,7 +3078,7 @@
           </a:lstStyle>
           <a:p>
             <a:r>
-              <a:rPr lang="en-US" smtClean="0"/>
+              <a:rPr lang="en-US"/>
               <a:t>Click to edit Master title style</a:t>
             </a:r>
             <a:endParaRPr lang="en-US" dirty="0"/>
@@ -3199,7 +3199,7 @@
           <a:p>
             <a:pPr lvl="0"/>
             <a:r>
-              <a:rPr lang="en-US" smtClean="0"/>
+              <a:rPr lang="en-US"/>
               <a:t>Click to edit Master text styles</a:t>
             </a:r>
           </a:p>
@@ -3316,7 +3316,7 @@
           <a:lstStyle/>
           <a:p>
             <a:r>
-              <a:rPr lang="en-US" smtClean="0"/>
+              <a:rPr lang="en-US"/>
               <a:t>Click to edit Master title style</a:t>
             </a:r>
             <a:endParaRPr lang="en-US" dirty="0"/>
@@ -3345,35 +3345,35 @@
           <a:p>
             <a:pPr lvl="0"/>
             <a:r>
-              <a:rPr lang="en-US" smtClean="0"/>
+              <a:rPr lang="en-US"/>
               <a:t>Click to edit Master text styles</a:t>
             </a:r>
           </a:p>
           <a:p>
             <a:pPr lvl="1"/>
             <a:r>
-              <a:rPr lang="en-US" smtClean="0"/>
+              <a:rPr lang="en-US"/>
               <a:t>Second level</a:t>
             </a:r>
           </a:p>
           <a:p>
             <a:pPr lvl="2"/>
             <a:r>
-              <a:rPr lang="en-US" smtClean="0"/>
+              <a:rPr lang="en-US"/>
               <a:t>Third level</a:t>
             </a:r>
           </a:p>
           <a:p>
             <a:pPr lvl="3"/>
             <a:r>
-              <a:rPr lang="en-US" smtClean="0"/>
+              <a:rPr lang="en-US"/>
               <a:t>Fourth level</a:t>
             </a:r>
           </a:p>
           <a:p>
             <a:pPr lvl="4"/>
             <a:r>
-              <a:rPr lang="en-US" smtClean="0"/>
+              <a:rPr lang="en-US"/>
               <a:t>Fifth level</a:t>
             </a:r>
             <a:endParaRPr lang="en-US" dirty="0"/>
@@ -3402,35 +3402,35 @@
           <a:p>
             <a:pPr lvl="0"/>
             <a:r>
-              <a:rPr lang="en-US" smtClean="0"/>
+              <a:rPr lang="en-US"/>
               <a:t>Click to edit Master text styles</a:t>
             </a:r>
           </a:p>
           <a:p>
             <a:pPr lvl="1"/>
             <a:r>
-              <a:rPr lang="en-US" smtClean="0"/>
+              <a:rPr lang="en-US"/>
               <a:t>Second level</a:t>
             </a:r>
           </a:p>
           <a:p>
             <a:pPr lvl="2"/>
             <a:r>
-              <a:rPr lang="en-US" smtClean="0"/>
+              <a:rPr lang="en-US"/>
               <a:t>Third level</a:t>
             </a:r>
           </a:p>
           <a:p>
             <a:pPr lvl="3"/>
             <a:r>
-              <a:rPr lang="en-US" smtClean="0"/>
+              <a:rPr lang="en-US"/>
               <a:t>Fourth level</a:t>
             </a:r>
           </a:p>
           <a:p>
             <a:pPr lvl="4"/>
             <a:r>
-              <a:rPr lang="en-US" smtClean="0"/>
+              <a:rPr lang="en-US"/>
               <a:t>Fifth level</a:t>
             </a:r>
             <a:endParaRPr lang="en-US" dirty="0"/>
@@ -3552,7 +3552,7 @@
           </a:lstStyle>
           <a:p>
             <a:r>
-              <a:rPr lang="en-US" smtClean="0"/>
+              <a:rPr lang="en-US"/>
               <a:t>Click to edit Master title style</a:t>
             </a:r>
             <a:endParaRPr lang="en-US" dirty="0"/>
@@ -3620,7 +3620,7 @@
           <a:p>
             <a:pPr lvl="0"/>
             <a:r>
-              <a:rPr lang="en-US" smtClean="0"/>
+              <a:rPr lang="en-US"/>
               <a:t>Click to edit Master text styles</a:t>
             </a:r>
           </a:p>
@@ -3650,35 +3650,35 @@
           <a:p>
             <a:pPr lvl="0"/>
             <a:r>
-              <a:rPr lang="en-US" smtClean="0"/>
+              <a:rPr lang="en-US"/>
               <a:t>Click to edit Master text styles</a:t>
             </a:r>
           </a:p>
           <a:p>
             <a:pPr lvl="1"/>
             <a:r>
-              <a:rPr lang="en-US" smtClean="0"/>
+              <a:rPr lang="en-US"/>
               <a:t>Second level</a:t>
             </a:r>
           </a:p>
           <a:p>
             <a:pPr lvl="2"/>
             <a:r>
-              <a:rPr lang="en-US" smtClean="0"/>
+              <a:rPr lang="en-US"/>
               <a:t>Third level</a:t>
             </a:r>
           </a:p>
           <a:p>
             <a:pPr lvl="3"/>
             <a:r>
-              <a:rPr lang="en-US" smtClean="0"/>
+              <a:rPr lang="en-US"/>
               <a:t>Fourth level</a:t>
             </a:r>
           </a:p>
           <a:p>
             <a:pPr lvl="4"/>
             <a:r>
-              <a:rPr lang="en-US" smtClean="0"/>
+              <a:rPr lang="en-US"/>
               <a:t>Fifth level</a:t>
             </a:r>
             <a:endParaRPr lang="en-US" dirty="0"/>
@@ -3746,7 +3746,7 @@
           <a:p>
             <a:pPr lvl="0"/>
             <a:r>
-              <a:rPr lang="en-US" smtClean="0"/>
+              <a:rPr lang="en-US"/>
               <a:t>Click to edit Master text styles</a:t>
             </a:r>
           </a:p>
@@ -3776,35 +3776,35 @@
           <a:p>
             <a:pPr lvl="0"/>
             <a:r>
-              <a:rPr lang="en-US" smtClean="0"/>
+              <a:rPr lang="en-US"/>
               <a:t>Click to edit Master text styles</a:t>
             </a:r>
           </a:p>
           <a:p>
             <a:pPr lvl="1"/>
             <a:r>
-              <a:rPr lang="en-US" smtClean="0"/>
+              <a:rPr lang="en-US"/>
               <a:t>Second level</a:t>
             </a:r>
           </a:p>
           <a:p>
             <a:pPr lvl="2"/>
             <a:r>
-              <a:rPr lang="en-US" smtClean="0"/>
+              <a:rPr lang="en-US"/>
               <a:t>Third level</a:t>
             </a:r>
           </a:p>
           <a:p>
             <a:pPr lvl="3"/>
             <a:r>
-              <a:rPr lang="en-US" smtClean="0"/>
+              <a:rPr lang="en-US"/>
               <a:t>Fourth level</a:t>
             </a:r>
           </a:p>
           <a:p>
             <a:pPr lvl="4"/>
             <a:r>
-              <a:rPr lang="en-US" smtClean="0"/>
+              <a:rPr lang="en-US"/>
               <a:t>Fifth level</a:t>
             </a:r>
             <a:endParaRPr lang="en-US" dirty="0"/>
@@ -3927,7 +3927,7 @@
           <a:lstStyle/>
           <a:p>
             <a:r>
-              <a:rPr lang="en-US" smtClean="0"/>
+              <a:rPr lang="en-US"/>
               <a:t>Click to edit Master title style</a:t>
             </a:r>
             <a:endParaRPr lang="en-US" dirty="0"/>
@@ -4151,7 +4151,7 @@
           </a:lstStyle>
           <a:p>
             <a:r>
-              <a:rPr lang="en-US" smtClean="0"/>
+              <a:rPr lang="en-US"/>
               <a:t>Click to edit Master title style</a:t>
             </a:r>
             <a:endParaRPr lang="en-US" dirty="0"/>
@@ -4182,35 +4182,35 @@
           <a:p>
             <a:pPr lvl="0"/>
             <a:r>
-              <a:rPr lang="en-US" smtClean="0"/>
+              <a:rPr lang="en-US"/>
               <a:t>Click to edit Master text styles</a:t>
             </a:r>
           </a:p>
           <a:p>
             <a:pPr lvl="1"/>
             <a:r>
-              <a:rPr lang="en-US" smtClean="0"/>
+              <a:rPr lang="en-US"/>
               <a:t>Second level</a:t>
             </a:r>
           </a:p>
           <a:p>
             <a:pPr lvl="2"/>
             <a:r>
-              <a:rPr lang="en-US" smtClean="0"/>
+              <a:rPr lang="en-US"/>
               <a:t>Third level</a:t>
             </a:r>
           </a:p>
           <a:p>
             <a:pPr lvl="3"/>
             <a:r>
-              <a:rPr lang="en-US" smtClean="0"/>
+              <a:rPr lang="en-US"/>
               <a:t>Fourth level</a:t>
             </a:r>
           </a:p>
           <a:p>
             <a:pPr lvl="4"/>
             <a:r>
-              <a:rPr lang="en-US" smtClean="0"/>
+              <a:rPr lang="en-US"/>
               <a:t>Fifth level</a:t>
             </a:r>
             <a:endParaRPr lang="en-US" dirty="0"/>
@@ -4278,7 +4278,7 @@
           <a:p>
             <a:pPr lvl="0"/>
             <a:r>
-              <a:rPr lang="en-US" smtClean="0"/>
+              <a:rPr lang="en-US"/>
               <a:t>Click to edit Master text styles</a:t>
             </a:r>
           </a:p>
@@ -4406,7 +4406,7 @@
           </a:lstStyle>
           <a:p>
             <a:r>
-              <a:rPr lang="en-US" smtClean="0"/>
+              <a:rPr lang="en-US"/>
               <a:t>Click to edit Master title style</a:t>
             </a:r>
             <a:endParaRPr lang="en-US" dirty="0"/>
@@ -4473,7 +4473,7 @@
           </a:lstStyle>
           <a:p>
             <a:r>
-              <a:rPr lang="en-US" smtClean="0"/>
+              <a:rPr lang="en-US"/>
               <a:t>Click icon to add picture</a:t>
             </a:r>
             <a:endParaRPr lang="en-US" dirty="0"/>
@@ -4541,7 +4541,7 @@
           <a:p>
             <a:pPr lvl="0"/>
             <a:r>
-              <a:rPr lang="en-US" smtClean="0"/>
+              <a:rPr lang="en-US"/>
               <a:t>Click to edit Master text styles</a:t>
             </a:r>
           </a:p>
@@ -5205,7 +5205,7 @@
           <a:lstStyle/>
           <a:p>
             <a:r>
-              <a:rPr lang="en-US" smtClean="0"/>
+              <a:rPr lang="en-US"/>
               <a:t>Click to edit Master title style</a:t>
             </a:r>
             <a:endParaRPr lang="en-US" dirty="0"/>
@@ -5239,35 +5239,35 @@
           <a:p>
             <a:pPr lvl="0"/>
             <a:r>
-              <a:rPr lang="en-US" smtClean="0"/>
+              <a:rPr lang="en-US"/>
               <a:t>Click to edit Master text styles</a:t>
             </a:r>
           </a:p>
           <a:p>
             <a:pPr lvl="1"/>
             <a:r>
-              <a:rPr lang="en-US" smtClean="0"/>
+              <a:rPr lang="en-US"/>
               <a:t>Second level</a:t>
             </a:r>
           </a:p>
           <a:p>
             <a:pPr lvl="2"/>
             <a:r>
-              <a:rPr lang="en-US" smtClean="0"/>
+              <a:rPr lang="en-US"/>
               <a:t>Third level</a:t>
             </a:r>
           </a:p>
           <a:p>
             <a:pPr lvl="3"/>
             <a:r>
-              <a:rPr lang="en-US" smtClean="0"/>
+              <a:rPr lang="en-US"/>
               <a:t>Fourth level</a:t>
             </a:r>
           </a:p>
           <a:p>
             <a:pPr lvl="4"/>
             <a:r>
-              <a:rPr lang="en-US" smtClean="0"/>
+              <a:rPr lang="en-US"/>
               <a:t>Fifth level</a:t>
             </a:r>
             <a:endParaRPr lang="en-US" dirty="0"/>
@@ -5878,14 +5878,11 @@
           <a:lstStyle/>
           <a:p>
             <a:r>
-              <a:rPr lang="en-US" sz="11500" dirty="0" smtClean="0">
+              <a:rPr lang="en-US" sz="11500" dirty="0">
                 <a:latin typeface="Arial Black" panose="020B0A04020102020204" pitchFamily="34" charset="0"/>
               </a:rPr>
               <a:t>RON</a:t>
             </a:r>
-            <a:endParaRPr lang="en-US" sz="11500" dirty="0">
-              <a:latin typeface="Arial Black" panose="020B0A04020102020204" pitchFamily="34" charset="0"/>
-            </a:endParaRPr>
           </a:p>
         </p:txBody>
       </p:sp>
@@ -5912,10 +5909,9 @@
           <a:lstStyle/>
           <a:p>
             <a:r>
-              <a:rPr lang="en-US" sz="4000" dirty="0" smtClean="0"/>
+              <a:rPr lang="en-US" sz="4000" dirty="0"/>
               <a:t>Reach Out Now</a:t>
             </a:r>
-            <a:endParaRPr lang="en-US" sz="4000" dirty="0"/>
           </a:p>
         </p:txBody>
       </p:sp>
@@ -5971,18 +5967,13 @@
           <a:lstStyle/>
           <a:p>
             <a:r>
-              <a:rPr lang="en-US" sz="2800" dirty="0" smtClean="0">
+              <a:rPr lang="en-US" sz="2800" dirty="0">
                 <a:solidFill>
                   <a:schemeClr val="bg1"/>
                 </a:solidFill>
               </a:rPr>
               <a:t>Group 09</a:t>
             </a:r>
-            <a:endParaRPr lang="en-US" sz="2800" dirty="0">
-              <a:solidFill>
-                <a:schemeClr val="bg1"/>
-              </a:solidFill>
-            </a:endParaRPr>
           </a:p>
         </p:txBody>
       </p:sp>
@@ -6009,10 +6000,9 @@
           <a:lstStyle/>
           <a:p>
             <a:r>
-              <a:rPr lang="en-US" sz="2400" dirty="0" smtClean="0"/>
+              <a:rPr lang="en-US" sz="2400" dirty="0"/>
               <a:t>Volunteer and Event Management System</a:t>
             </a:r>
-            <a:endParaRPr lang="en-US" sz="2400" dirty="0"/>
           </a:p>
         </p:txBody>
       </p:sp>
@@ -6026,13 +6016,6 @@
   <p:clrMapOvr>
     <a:masterClrMapping/>
   </p:clrMapOvr>
-  <p:timing>
-    <p:tnLst>
-      <p:par>
-        <p:cTn id="1" dur="indefinite" restart="never" nodeType="tmRoot"/>
-      </p:par>
-    </p:tnLst>
-  </p:timing>
 </p:sld>
 </file>
 
@@ -6074,11 +6057,11 @@
           <a:lstStyle/>
           <a:p>
             <a:r>
-              <a:rPr lang="en-US" b="1" dirty="0" smtClean="0"/>
+              <a:rPr lang="en-US" b="1" dirty="0"/>
               <a:t>Organization Code</a:t>
             </a:r>
             <a:br>
-              <a:rPr lang="en-US" b="1" dirty="0" smtClean="0"/>
+              <a:rPr lang="en-US" b="1" dirty="0"/>
             </a:br>
             <a:endParaRPr lang="en-US" sz="3600" dirty="0"/>
           </a:p>
@@ -6166,7 +6149,7 @@
           <a:lstStyle/>
           <a:p>
             <a:r>
-              <a:rPr lang="en-US" dirty="0" smtClean="0">
+              <a:rPr lang="en-US" dirty="0">
                 <a:solidFill>
                   <a:schemeClr val="bg1"/>
                 </a:solidFill>
@@ -6176,18 +6159,13 @@
           </a:p>
           <a:p>
             <a:r>
-              <a:rPr lang="en-US" dirty="0" smtClean="0">
+              <a:rPr lang="en-US" dirty="0">
                 <a:solidFill>
                   <a:schemeClr val="bg1"/>
                 </a:solidFill>
               </a:rPr>
               <a:t>Organization</a:t>
             </a:r>
-            <a:endParaRPr lang="en-US" dirty="0">
-              <a:solidFill>
-                <a:schemeClr val="bg1"/>
-              </a:solidFill>
-            </a:endParaRPr>
           </a:p>
         </p:txBody>
       </p:sp>
@@ -6251,44 +6229,6 @@
           </a:prstGeom>
         </p:spPr>
       </p:pic>
-      <p:sp>
-        <p:nvSpPr>
-          <p:cNvPr id="4" name="Title 3"/>
-          <p:cNvSpPr>
-            <a:spLocks noGrp="1"/>
-          </p:cNvSpPr>
-          <p:nvPr>
-            <p:ph type="ctrTitle"/>
-          </p:nvPr>
-        </p:nvSpPr>
-        <p:spPr/>
-        <p:txBody>
-          <a:bodyPr/>
-          <a:lstStyle/>
-          <a:p>
-            <a:endParaRPr lang="en-US"/>
-          </a:p>
-        </p:txBody>
-      </p:sp>
-      <p:sp>
-        <p:nvSpPr>
-          <p:cNvPr id="6" name="Subtitle 5"/>
-          <p:cNvSpPr>
-            <a:spLocks noGrp="1"/>
-          </p:cNvSpPr>
-          <p:nvPr>
-            <p:ph type="subTitle" idx="1"/>
-          </p:nvPr>
-        </p:nvSpPr>
-        <p:spPr/>
-        <p:txBody>
-          <a:bodyPr/>
-          <a:lstStyle/>
-          <a:p>
-            <a:endParaRPr lang="en-US"/>
-          </a:p>
-        </p:txBody>
-      </p:sp>
     </p:spTree>
     <p:extLst>
       <p:ext uri="{BB962C8B-B14F-4D97-AF65-F5344CB8AC3E}">
@@ -6340,10 +6280,9 @@
           <a:lstStyle/>
           <a:p>
             <a:r>
-              <a:rPr lang="en-US" dirty="0" smtClean="0"/>
+              <a:rPr lang="en-US" dirty="0"/>
               <a:t>Group Members</a:t>
             </a:r>
-            <a:endParaRPr lang="en-US" dirty="0"/>
           </a:p>
         </p:txBody>
       </p:sp>
@@ -6370,126 +6309,94 @@
           <a:lstStyle/>
           <a:p>
             <a:r>
-              <a:rPr lang="en-US" sz="2400" dirty="0" smtClean="0"/>
-              <a:t>2020/CSC/045</a:t>
+              <a:rPr lang="en-US" sz="2400" dirty="0"/>
+              <a:t>2020/CSC/045 - Mr. R. P. </a:t>
+            </a:r>
+            <a:r>
+              <a:rPr lang="en-US" sz="2400" dirty="0" err="1"/>
+              <a:t>Raveesha</a:t>
             </a:r>
             <a:r>
               <a:rPr lang="en-US" sz="2400" dirty="0"/>
               <a:t> </a:t>
             </a:r>
             <a:r>
-              <a:rPr lang="en-US" sz="2400" dirty="0" smtClean="0"/>
-              <a:t>- Mr. R. P. </a:t>
-            </a:r>
-            <a:r>
-              <a:rPr lang="en-US" sz="2400" dirty="0" err="1" smtClean="0"/>
-              <a:t>Raveesha</a:t>
-            </a:r>
-            <a:r>
-              <a:rPr lang="en-US" sz="2400" dirty="0" smtClean="0"/>
-              <a:t> </a:t>
-            </a:r>
-            <a:r>
-              <a:rPr lang="en-US" sz="2400" dirty="0" err="1" smtClean="0"/>
+              <a:rPr lang="en-US" sz="2400" dirty="0" err="1"/>
               <a:t>Vishwajith</a:t>
-            </a:r>
-            <a:r>
-              <a:rPr lang="en-US" sz="2400" dirty="0" smtClean="0"/>
-              <a:t> </a:t>
-            </a:r>
-            <a:r>
-              <a:rPr lang="en-US" sz="2400" dirty="0" err="1" smtClean="0"/>
-              <a:t>Pathirana</a:t>
-            </a:r>
-            <a:endParaRPr lang="en-US" sz="2400" dirty="0" smtClean="0"/>
-          </a:p>
-          <a:p>
-            <a:r>
-              <a:rPr lang="en-US" sz="2400" dirty="0" smtClean="0"/>
-              <a:t>2020/CSC/063</a:t>
             </a:r>
             <a:r>
               <a:rPr lang="en-US" sz="2400" dirty="0"/>
               <a:t> </a:t>
             </a:r>
             <a:r>
-              <a:rPr lang="en-US" sz="2400" dirty="0" smtClean="0"/>
-              <a:t>- Miss. U. D. H. </a:t>
-            </a:r>
-            <a:r>
-              <a:rPr lang="en-US" sz="2400" dirty="0" err="1" smtClean="0"/>
+              <a:rPr lang="en-US" sz="2400" dirty="0" err="1"/>
+              <a:t>Pathirana</a:t>
+            </a:r>
+            <a:endParaRPr lang="en-US" sz="2400" dirty="0"/>
+          </a:p>
+          <a:p>
+            <a:r>
+              <a:rPr lang="en-US" sz="2400" dirty="0"/>
+              <a:t>2020/CSC/063 - Miss. U. D. H. </a:t>
+            </a:r>
+            <a:r>
+              <a:rPr lang="en-US" sz="2400" dirty="0" err="1"/>
               <a:t>Hashini</a:t>
-            </a:r>
-            <a:r>
-              <a:rPr lang="en-US" sz="2400" dirty="0" smtClean="0"/>
-              <a:t> </a:t>
-            </a:r>
-            <a:r>
-              <a:rPr lang="en-US" sz="2400" dirty="0" err="1" smtClean="0"/>
-              <a:t>Unanthenna</a:t>
-            </a:r>
-            <a:endParaRPr lang="en-US" sz="2400" dirty="0" smtClean="0"/>
-          </a:p>
-          <a:p>
-            <a:r>
-              <a:rPr lang="en-US" sz="2400" dirty="0" smtClean="0"/>
-              <a:t>2020/CSC/065</a:t>
             </a:r>
             <a:r>
               <a:rPr lang="en-US" sz="2400" dirty="0"/>
               <a:t> </a:t>
             </a:r>
             <a:r>
-              <a:rPr lang="en-US" sz="2400" dirty="0" smtClean="0"/>
-              <a:t>- Miss. K. </a:t>
-            </a:r>
-            <a:r>
-              <a:rPr lang="en-US" sz="2400" dirty="0" err="1" smtClean="0"/>
+              <a:rPr lang="en-US" sz="2400" dirty="0" err="1"/>
+              <a:t>Unanthenna</a:t>
+            </a:r>
+            <a:endParaRPr lang="en-US" sz="2400" dirty="0"/>
+          </a:p>
+          <a:p>
+            <a:r>
+              <a:rPr lang="en-US" sz="2400" dirty="0"/>
+              <a:t>2020/CSC/065 - Miss. K. </a:t>
+            </a:r>
+            <a:r>
+              <a:rPr lang="en-US" sz="2400" dirty="0" err="1"/>
               <a:t>Vieronicka</a:t>
             </a:r>
-            <a:endParaRPr lang="en-US" sz="2400" dirty="0" smtClean="0"/>
-          </a:p>
-          <a:p>
-            <a:r>
-              <a:rPr lang="en-US" sz="2400" dirty="0" smtClean="0"/>
-              <a:t>2020/CSC/070</a:t>
-            </a:r>
+            <a:endParaRPr lang="en-US" sz="2400" dirty="0"/>
+          </a:p>
+          <a:p>
             <a:r>
               <a:rPr lang="en-US" sz="2400" dirty="0"/>
-              <a:t> </a:t>
-            </a:r>
-            <a:r>
-              <a:rPr lang="en-US" sz="2400" dirty="0" smtClean="0"/>
-              <a:t>- Miss. W. Janani </a:t>
-            </a:r>
-            <a:r>
-              <a:rPr lang="en-US" sz="2400" dirty="0" err="1" smtClean="0"/>
+              <a:t>2020/CSC/070 - Miss. W. Janani </a:t>
+            </a:r>
+            <a:r>
+              <a:rPr lang="en-US" sz="2400" dirty="0" err="1"/>
               <a:t>Welipitiya</a:t>
             </a:r>
-            <a:endParaRPr lang="en-US" sz="2400" dirty="0" smtClean="0"/>
-          </a:p>
-          <a:p>
-            <a:r>
-              <a:rPr lang="en-US" sz="2400" dirty="0" smtClean="0"/>
+            <a:endParaRPr lang="en-US" sz="2400" dirty="0"/>
+          </a:p>
+          <a:p>
+            <a:r>
+              <a:rPr lang="en-US" sz="2400" dirty="0"/>
               <a:t>2020/CSC/076 - Miss. W. S. </a:t>
             </a:r>
             <a:r>
-              <a:rPr lang="en-US" sz="2400" dirty="0" err="1" smtClean="0"/>
+              <a:rPr lang="en-US" sz="2400" dirty="0" err="1"/>
               <a:t>Nipuni</a:t>
             </a:r>
             <a:r>
-              <a:rPr lang="en-US" sz="2400" dirty="0" smtClean="0"/>
+              <a:rPr lang="en-US" sz="2400" dirty="0"/>
               <a:t> Fernando</a:t>
             </a:r>
           </a:p>
           <a:p>
-            <a:endParaRPr lang="en-US" dirty="0" smtClean="0"/>
-          </a:p>
-          <a:p>
-            <a:endParaRPr lang="en-US" dirty="0" smtClean="0"/>
-          </a:p>
-          <a:p>
-            <a:endParaRPr lang="en-US" dirty="0" smtClean="0"/>
+            <a:endParaRPr lang="en-US" dirty="0"/>
+          </a:p>
+          <a:p>
+            <a:endParaRPr lang="en-US" dirty="0"/>
+          </a:p>
+          <a:p>
+            <a:endParaRPr lang="en-US" dirty="0"/>
           </a:p>
           <a:p>
             <a:endParaRPr lang="en-US" dirty="0"/>
@@ -6547,10 +6454,9 @@
           <a:lstStyle/>
           <a:p>
             <a:r>
-              <a:rPr lang="en-US" sz="9600" dirty="0" smtClean="0"/>
+              <a:rPr lang="en-US" sz="9600" dirty="0"/>
               <a:t>Thank You</a:t>
             </a:r>
-            <a:endParaRPr lang="en-US" sz="9600" dirty="0"/>
           </a:p>
         </p:txBody>
       </p:sp>
@@ -6605,18 +6511,14 @@
           <a:lstStyle/>
           <a:p>
             <a:r>
-              <a:rPr lang="en-US" b="1" dirty="0" smtClean="0"/>
+              <a:rPr lang="en-US" b="1" dirty="0"/>
               <a:t>Register As</a:t>
-            </a:r>
-            <a:r>
-              <a:rPr lang="en-US" b="1" dirty="0"/>
-              <a:t/>
             </a:r>
             <a:br>
               <a:rPr lang="en-US" b="1" dirty="0"/>
             </a:br>
             <a:r>
-              <a:rPr lang="en-US" b="1" dirty="0" smtClean="0"/>
+              <a:rPr lang="en-US" b="1" dirty="0"/>
               <a:t>   </a:t>
             </a:r>
             <a:endParaRPr lang="en-US" dirty="0">
@@ -6712,7 +6614,7 @@
           <a:lstStyle/>
           <a:p>
             <a:r>
-              <a:rPr lang="en-US" dirty="0" smtClean="0">
+              <a:rPr lang="en-US" dirty="0">
                 <a:solidFill>
                   <a:schemeClr val="bg1"/>
                 </a:solidFill>
@@ -6722,18 +6624,13 @@
           </a:p>
           <a:p>
             <a:r>
-              <a:rPr lang="en-US" dirty="0" smtClean="0">
+              <a:rPr lang="en-US" dirty="0">
                 <a:solidFill>
                   <a:schemeClr val="bg1"/>
                 </a:solidFill>
               </a:rPr>
               <a:t> Manager   details</a:t>
             </a:r>
-            <a:endParaRPr lang="en-US" dirty="0">
-              <a:solidFill>
-                <a:schemeClr val="bg1"/>
-              </a:solidFill>
-            </a:endParaRPr>
           </a:p>
         </p:txBody>
       </p:sp>
@@ -6788,14 +6685,14 @@
           <a:lstStyle/>
           <a:p>
             <a:r>
-              <a:rPr lang="en-US" b="1" dirty="0" smtClean="0"/>
+              <a:rPr lang="en-US" b="1" dirty="0"/>
               <a:t>Register As</a:t>
             </a:r>
             <a:br>
-              <a:rPr lang="en-US" b="1" dirty="0" smtClean="0"/>
+              <a:rPr lang="en-US" b="1" dirty="0"/>
             </a:br>
             <a:r>
-              <a:rPr lang="en-US" dirty="0" smtClean="0">
+              <a:rPr lang="en-US" dirty="0">
                 <a:solidFill>
                   <a:schemeClr val="tx1">
                     <a:lumMod val="50000"/>
@@ -6806,7 +6703,7 @@
               <a:t>-</a:t>
             </a:r>
             <a:r>
-              <a:rPr lang="en-US" sz="3600" dirty="0" smtClean="0">
+              <a:rPr lang="en-US" sz="3600" dirty="0">
                 <a:solidFill>
                   <a:schemeClr val="tx1">
                     <a:lumMod val="50000"/>
@@ -6899,7 +6796,7 @@
           <a:lstStyle/>
           <a:p>
             <a:r>
-              <a:rPr lang="en-US" dirty="0" smtClean="0">
+              <a:rPr lang="en-US" dirty="0">
                 <a:solidFill>
                   <a:schemeClr val="bg1"/>
                 </a:solidFill>
@@ -6909,18 +6806,13 @@
           </a:p>
           <a:p>
             <a:r>
-              <a:rPr lang="en-US" dirty="0" smtClean="0">
+              <a:rPr lang="en-US" dirty="0">
                 <a:solidFill>
                   <a:schemeClr val="bg1"/>
                 </a:solidFill>
               </a:rPr>
               <a:t>Member details</a:t>
             </a:r>
-            <a:endParaRPr lang="en-US" dirty="0">
-              <a:solidFill>
-                <a:schemeClr val="bg1"/>
-              </a:solidFill>
-            </a:endParaRPr>
           </a:p>
         </p:txBody>
       </p:sp>
@@ -6977,18 +6869,14 @@
           <a:lstStyle/>
           <a:p>
             <a:r>
-              <a:rPr lang="en-US" sz="5400" b="1" dirty="0" smtClean="0"/>
+              <a:rPr lang="en-US" sz="5400" b="1" dirty="0"/>
               <a:t>Login</a:t>
             </a:r>
-            <a:r>
-              <a:rPr lang="en-US" b="1" dirty="0" smtClean="0"/>
-              <a:t/>
-            </a:r>
             <a:br>
-              <a:rPr lang="en-US" b="1" dirty="0" smtClean="0"/>
+              <a:rPr lang="en-US" b="1" dirty="0"/>
             </a:br>
             <a:r>
-              <a:rPr lang="en-US" sz="4000" dirty="0" smtClean="0">
+              <a:rPr lang="en-US" sz="4000" dirty="0">
                 <a:solidFill>
                   <a:schemeClr val="tx1">
                     <a:lumMod val="50000"/>
@@ -6996,38 +6884,8 @@
                   </a:schemeClr>
                 </a:solidFill>
               </a:rPr>
-              <a:t>-Volunteer/Event </a:t>
-            </a:r>
-            <a:r>
-              <a:rPr lang="en-US" sz="4000" dirty="0">
-                <a:solidFill>
-                  <a:schemeClr val="tx1">
-                    <a:lumMod val="50000"/>
-                    <a:lumOff val="50000"/>
-                  </a:schemeClr>
-                </a:solidFill>
-              </a:rPr>
-              <a:t>Manager</a:t>
-            </a:r>
-            <a:r>
-              <a:rPr lang="en-US" sz="4000" dirty="0" smtClean="0">
-                <a:solidFill>
-                  <a:schemeClr val="tx1">
-                    <a:lumMod val="50000"/>
-                    <a:lumOff val="50000"/>
-                  </a:schemeClr>
-                </a:solidFill>
-              </a:rPr>
-              <a:t> </a:t>
-            </a:r>
-            <a:endParaRPr lang="en-US" sz="4000" dirty="0">
-              <a:solidFill>
-                <a:schemeClr val="tx1">
-                  <a:lumMod val="50000"/>
-                  <a:lumOff val="50000"/>
-                </a:schemeClr>
-              </a:solidFill>
-            </a:endParaRPr>
+              <a:t>-Volunteer/Event Manager/Admin </a:t>
+            </a:r>
           </a:p>
         </p:txBody>
       </p:sp>
@@ -7083,18 +6941,13 @@
           <a:lstStyle/>
           <a:p>
             <a:r>
-              <a:rPr lang="en-US" dirty="0" smtClean="0">
+              <a:rPr lang="en-US" dirty="0">
                 <a:solidFill>
                   <a:schemeClr val="bg1"/>
                 </a:solidFill>
               </a:rPr>
               <a:t>Table Name - Login</a:t>
             </a:r>
-            <a:endParaRPr lang="en-US" dirty="0">
-              <a:solidFill>
-                <a:schemeClr val="bg1"/>
-              </a:solidFill>
-            </a:endParaRPr>
           </a:p>
         </p:txBody>
       </p:sp>
@@ -7149,10 +7002,9 @@
           <a:lstStyle/>
           <a:p>
             <a:r>
-              <a:rPr lang="en-US" sz="9600" dirty="0" smtClean="0"/>
+              <a:rPr lang="en-US" sz="9600" dirty="0"/>
               <a:t>Event Manager</a:t>
             </a:r>
-            <a:endParaRPr lang="en-US" sz="9600" dirty="0"/>
           </a:p>
         </p:txBody>
       </p:sp>
@@ -7179,10 +7031,9 @@
           <a:lstStyle/>
           <a:p>
             <a:r>
-              <a:rPr lang="en-US" sz="4000" dirty="0" smtClean="0"/>
+              <a:rPr lang="en-US" sz="4000" dirty="0"/>
               <a:t>Dashboard-features</a:t>
             </a:r>
-            <a:endParaRPr lang="en-US" sz="4000" dirty="0"/>
           </a:p>
         </p:txBody>
       </p:sp>
@@ -7237,11 +7088,11 @@
           <a:lstStyle/>
           <a:p>
             <a:r>
-              <a:rPr lang="en-US" b="1" dirty="0" smtClean="0"/>
+              <a:rPr lang="en-US" b="1" dirty="0"/>
               <a:t>Add new event</a:t>
             </a:r>
             <a:br>
-              <a:rPr lang="en-US" b="1" dirty="0" smtClean="0"/>
+              <a:rPr lang="en-US" b="1" dirty="0"/>
             </a:br>
             <a:endParaRPr lang="en-US" sz="3600" dirty="0">
               <a:solidFill>
@@ -7336,18 +7187,13 @@
           <a:lstStyle/>
           <a:p>
             <a:r>
-              <a:rPr lang="en-US" dirty="0" smtClean="0">
+              <a:rPr lang="en-US" dirty="0">
                 <a:solidFill>
                   <a:schemeClr val="bg1"/>
                 </a:solidFill>
               </a:rPr>
               <a:t>Table Name - Event</a:t>
             </a:r>
-            <a:endParaRPr lang="en-US" dirty="0">
-              <a:solidFill>
-                <a:schemeClr val="bg1"/>
-              </a:solidFill>
-            </a:endParaRPr>
           </a:p>
         </p:txBody>
       </p:sp>
@@ -7361,13 +7207,6 @@
   <p:clrMapOvr>
     <a:masterClrMapping/>
   </p:clrMapOvr>
-  <p:timing>
-    <p:tnLst>
-      <p:par>
-        <p:cTn id="1" dur="indefinite" restart="never" nodeType="tmRoot"/>
-      </p:par>
-    </p:tnLst>
-  </p:timing>
 </p:sld>
 </file>
 
@@ -7409,10 +7248,9 @@
           <a:lstStyle/>
           <a:p>
             <a:r>
-              <a:rPr lang="en-US" sz="9600" dirty="0" smtClean="0"/>
+              <a:rPr lang="en-US" sz="9600" dirty="0"/>
               <a:t>Volunteer</a:t>
             </a:r>
-            <a:endParaRPr lang="en-US" sz="9600" dirty="0"/>
           </a:p>
         </p:txBody>
       </p:sp>
@@ -7499,19 +7337,19 @@
           <a:lstStyle/>
           <a:p>
             <a:r>
-              <a:rPr lang="en-US" b="1" dirty="0" smtClean="0"/>
+              <a:rPr lang="en-US" b="1" dirty="0"/>
               <a:t> </a:t>
             </a:r>
             <a:r>
-              <a:rPr lang="en-US" b="1" dirty="0" err="1" smtClean="0"/>
+              <a:rPr lang="en-US" b="1" dirty="0" err="1"/>
               <a:t>ToDo</a:t>
             </a:r>
             <a:r>
-              <a:rPr lang="en-US" b="1" dirty="0" smtClean="0"/>
+              <a:rPr lang="en-US" b="1" dirty="0"/>
               <a:t> List     </a:t>
             </a:r>
             <a:br>
-              <a:rPr lang="en-US" b="1" dirty="0" smtClean="0"/>
+              <a:rPr lang="en-US" b="1" dirty="0"/>
             </a:br>
             <a:endParaRPr lang="en-US" sz="3600" dirty="0"/>
           </a:p>
@@ -7599,18 +7437,13 @@
           <a:lstStyle/>
           <a:p>
             <a:r>
-              <a:rPr lang="en-US" dirty="0" smtClean="0">
+              <a:rPr lang="en-US" dirty="0">
                 <a:solidFill>
                   <a:schemeClr val="bg1"/>
                 </a:solidFill>
               </a:rPr>
               <a:t>Table Name – to-do</a:t>
             </a:r>
-            <a:endParaRPr lang="en-US" dirty="0">
-              <a:solidFill>
-                <a:schemeClr val="bg1"/>
-              </a:solidFill>
-            </a:endParaRPr>
           </a:p>
         </p:txBody>
       </p:sp>
@@ -7665,10 +7498,9 @@
           <a:lstStyle/>
           <a:p>
             <a:r>
-              <a:rPr lang="en-US" sz="9600" dirty="0" smtClean="0"/>
+              <a:rPr lang="en-US" sz="9600" dirty="0"/>
               <a:t>Admin</a:t>
             </a:r>
-            <a:endParaRPr lang="en-US" sz="9600" dirty="0"/>
           </a:p>
         </p:txBody>
       </p:sp>

--- a/presentation.pptx
+++ b/presentation.pptx
@@ -6,18 +6,20 @@
   </p:sldMasterIdLst>
   <p:sldIdLst>
     <p:sldId id="256" r:id="rId2"/>
-    <p:sldId id="261" r:id="rId3"/>
-    <p:sldId id="262" r:id="rId4"/>
-    <p:sldId id="258" r:id="rId5"/>
+    <p:sldId id="258" r:id="rId3"/>
+    <p:sldId id="261" r:id="rId4"/>
+    <p:sldId id="262" r:id="rId5"/>
     <p:sldId id="265" r:id="rId6"/>
     <p:sldId id="257" r:id="rId7"/>
-    <p:sldId id="267" r:id="rId8"/>
-    <p:sldId id="264" r:id="rId9"/>
-    <p:sldId id="268" r:id="rId10"/>
-    <p:sldId id="263" r:id="rId11"/>
-    <p:sldId id="269" r:id="rId12"/>
-    <p:sldId id="259" r:id="rId13"/>
-    <p:sldId id="260" r:id="rId14"/>
+    <p:sldId id="271" r:id="rId8"/>
+    <p:sldId id="267" r:id="rId9"/>
+    <p:sldId id="264" r:id="rId10"/>
+    <p:sldId id="269" r:id="rId11"/>
+    <p:sldId id="268" r:id="rId12"/>
+    <p:sldId id="263" r:id="rId13"/>
+    <p:sldId id="270" r:id="rId14"/>
+    <p:sldId id="259" r:id="rId15"/>
+    <p:sldId id="260" r:id="rId16"/>
   </p:sldIdLst>
   <p:sldSz cx="12192000" cy="6858000"/>
   <p:notesSz cx="6858000" cy="9144000"/>
@@ -6055,7 +6057,7 @@
       </p:grpSpPr>
       <p:sp>
         <p:nvSpPr>
-          <p:cNvPr id="2" name="Title 1"/>
+          <p:cNvPr id="4" name="Title 3"/>
           <p:cNvSpPr>
             <a:spLocks noGrp="1"/>
           </p:cNvSpPr>
@@ -6065,8 +6067,8 @@
         </p:nvSpPr>
         <p:spPr>
           <a:xfrm>
-            <a:off x="1276139" y="-54876"/>
-            <a:ext cx="6118821" cy="2571660"/>
+            <a:off x="-320918" y="-373057"/>
+            <a:ext cx="7766936" cy="1646302"/>
           </a:xfrm>
         </p:spPr>
         <p:txBody>
@@ -6075,47 +6077,15 @@
           <a:p>
             <a:r>
               <a:rPr lang="en-US" b="1" dirty="0" smtClean="0"/>
-              <a:t>Organization Code</a:t>
-            </a:r>
-            <a:br>
-              <a:rPr lang="en-US" b="1" dirty="0" smtClean="0"/>
-            </a:br>
-            <a:endParaRPr lang="en-US" sz="3600" dirty="0"/>
-          </a:p>
-        </p:txBody>
-      </p:sp>
-      <p:sp>
-        <p:nvSpPr>
-          <p:cNvPr id="3" name="Subtitle 2"/>
-          <p:cNvSpPr>
-            <a:spLocks noGrp="1"/>
-          </p:cNvSpPr>
-          <p:nvPr>
-            <p:ph type="subTitle" idx="1"/>
-          </p:nvPr>
-        </p:nvSpPr>
-        <p:spPr>
-          <a:xfrm>
-            <a:off x="-4176557" y="2005280"/>
-            <a:ext cx="7766936" cy="1096899"/>
-          </a:xfrm>
-        </p:spPr>
-        <p:txBody>
-          <a:bodyPr>
-            <a:normAutofit/>
-          </a:bodyPr>
-          <a:lstStyle/>
-          <a:p>
-            <a:r>
-              <a:rPr lang="en-US" sz="3600" dirty="0"/>
-              <a:t>-Admin</a:t>
-            </a:r>
+              <a:t>Event Applications</a:t>
+            </a:r>
+            <a:endParaRPr lang="en-US" dirty="0"/>
           </a:p>
         </p:txBody>
       </p:sp>
       <p:pic>
         <p:nvPicPr>
-          <p:cNvPr id="4" name="Picture 3"/>
+          <p:cNvPr id="2" name="Picture 1"/>
           <p:cNvPicPr>
             <a:picLocks noChangeAspect="1"/>
           </p:cNvPicPr>
@@ -6135,8 +6105,8 @@
         </p:blipFill>
         <p:spPr>
           <a:xfrm>
-            <a:off x="525327" y="3011055"/>
-            <a:ext cx="10673963" cy="1498263"/>
+            <a:off x="1107679" y="2142745"/>
+            <a:ext cx="10058400" cy="4281171"/>
           </a:xfrm>
           <a:prstGeom prst="rect">
             <a:avLst/>
@@ -6145,13 +6115,13 @@
       </p:pic>
       <p:sp>
         <p:nvSpPr>
-          <p:cNvPr id="5" name="TextBox 4"/>
+          <p:cNvPr id="7" name="TextBox 6"/>
           <p:cNvSpPr txBox="1"/>
           <p:nvPr/>
         </p:nvSpPr>
         <p:spPr>
           <a:xfrm>
-            <a:off x="10492510" y="93324"/>
+            <a:off x="10124957" y="126929"/>
             <a:ext cx="3172375" cy="646331"/>
           </a:xfrm>
           <a:prstGeom prst="rect">
@@ -6176,12 +6146,12 @@
           </a:p>
           <a:p>
             <a:r>
-              <a:rPr lang="en-US" dirty="0" smtClean="0">
+              <a:rPr lang="en-US" dirty="0" err="1" smtClean="0">
                 <a:solidFill>
                   <a:schemeClr val="bg1"/>
                 </a:solidFill>
               </a:rPr>
-              <a:t>Organization</a:t>
+              <a:t>Event_applicatios</a:t>
             </a:r>
             <a:endParaRPr lang="en-US" dirty="0">
               <a:solidFill>
@@ -6191,10 +6161,40 @@
           </a:p>
         </p:txBody>
       </p:sp>
+      <p:sp>
+        <p:nvSpPr>
+          <p:cNvPr id="8" name="Subtitle 2"/>
+          <p:cNvSpPr>
+            <a:spLocks noGrp="1"/>
+          </p:cNvSpPr>
+          <p:nvPr>
+            <p:ph type="subTitle" idx="1"/>
+          </p:nvPr>
+        </p:nvSpPr>
+        <p:spPr>
+          <a:xfrm>
+            <a:off x="-3508808" y="1267455"/>
+            <a:ext cx="7767637" cy="1096963"/>
+          </a:xfrm>
+        </p:spPr>
+        <p:txBody>
+          <a:bodyPr>
+            <a:normAutofit/>
+          </a:bodyPr>
+          <a:lstStyle/>
+          <a:p>
+            <a:r>
+              <a:rPr lang="en-US" sz="3600" dirty="0"/>
+              <a:t>-Volunteer</a:t>
+            </a:r>
+            <a:endParaRPr lang="en-US" sz="3600" dirty="0"/>
+          </a:p>
+        </p:txBody>
+      </p:sp>
     </p:spTree>
     <p:extLst>
       <p:ext uri="{BB962C8B-B14F-4D97-AF65-F5344CB8AC3E}">
-        <p14:creationId xmlns:p14="http://schemas.microsoft.com/office/powerpoint/2010/main" val="1102977379"/>
+        <p14:creationId xmlns:p14="http://schemas.microsoft.com/office/powerpoint/2010/main" val="2293690467"/>
       </p:ext>
     </p:extLst>
   </p:cSld>
@@ -6221,78 +6221,73 @@
           <a:chExt cx="0" cy="0"/>
         </a:xfrm>
       </p:grpSpPr>
-      <p:pic>
-        <p:nvPicPr>
-          <p:cNvPr id="5" name="Picture 4"/>
-          <p:cNvPicPr>
-            <a:picLocks noChangeAspect="1"/>
-          </p:cNvPicPr>
+      <p:sp>
+        <p:nvSpPr>
+          <p:cNvPr id="2" name="Title 1"/>
+          <p:cNvSpPr>
+            <a:spLocks noGrp="1"/>
+          </p:cNvSpPr>
+          <p:nvPr>
+            <p:ph type="ctrTitle"/>
+          </p:nvPr>
+        </p:nvSpPr>
+        <p:spPr>
+          <a:xfrm>
+            <a:off x="-282070" y="1652586"/>
+            <a:ext cx="7766936" cy="1646302"/>
+          </a:xfrm>
+        </p:spPr>
+        <p:txBody>
+          <a:bodyPr/>
+          <a:lstStyle/>
+          <a:p>
+            <a:r>
+              <a:rPr lang="en-US" sz="9600" dirty="0" smtClean="0"/>
+              <a:t>Admin</a:t>
+            </a:r>
+            <a:endParaRPr lang="en-US" sz="9600" dirty="0"/>
+          </a:p>
+        </p:txBody>
+      </p:sp>
+      <p:sp>
+        <p:nvSpPr>
+          <p:cNvPr id="4" name="TextBox 3"/>
+          <p:cNvSpPr txBox="1"/>
           <p:nvPr/>
-        </p:nvPicPr>
-        <p:blipFill>
-          <a:blip r:embed="rId2">
-            <a:extLst>
-              <a:ext uri="{28A0092B-C50C-407E-A947-70E740481C1C}">
-                <a14:useLocalDpi xmlns:a14="http://schemas.microsoft.com/office/drawing/2010/main" val="0"/>
-              </a:ext>
-            </a:extLst>
-          </a:blip>
-          <a:stretch>
-            <a:fillRect/>
-          </a:stretch>
-        </p:blipFill>
-        <p:spPr>
-          <a:xfrm>
-            <a:off x="990591" y="2395857"/>
-            <a:ext cx="10058400" cy="3660928"/>
+        </p:nvSpPr>
+        <p:spPr>
+          <a:xfrm>
+            <a:off x="3398983" y="3158836"/>
+            <a:ext cx="6049818" cy="1261884"/>
           </a:xfrm>
           <a:prstGeom prst="rect">
             <a:avLst/>
           </a:prstGeom>
-        </p:spPr>
-      </p:pic>
-      <p:sp>
-        <p:nvSpPr>
-          <p:cNvPr id="4" name="Title 3"/>
-          <p:cNvSpPr>
-            <a:spLocks noGrp="1"/>
-          </p:cNvSpPr>
-          <p:nvPr>
-            <p:ph type="ctrTitle"/>
-          </p:nvPr>
-        </p:nvSpPr>
-        <p:spPr/>
-        <p:txBody>
-          <a:bodyPr/>
-          <a:lstStyle/>
-          <a:p>
-            <a:endParaRPr lang="en-US"/>
-          </a:p>
-        </p:txBody>
-      </p:sp>
-      <p:sp>
-        <p:nvSpPr>
-          <p:cNvPr id="6" name="Subtitle 5"/>
-          <p:cNvSpPr>
-            <a:spLocks noGrp="1"/>
-          </p:cNvSpPr>
-          <p:nvPr>
-            <p:ph type="subTitle" idx="1"/>
-          </p:nvPr>
-        </p:nvSpPr>
-        <p:spPr/>
-        <p:txBody>
-          <a:bodyPr/>
-          <a:lstStyle/>
-          <a:p>
-            <a:endParaRPr lang="en-US"/>
+          <a:noFill/>
+        </p:spPr>
+        <p:txBody>
+          <a:bodyPr wrap="square" rtlCol="0">
+            <a:spAutoFit/>
+          </a:bodyPr>
+          <a:lstStyle/>
+          <a:p>
+            <a:r>
+              <a:rPr lang="en-US" sz="4000" dirty="0"/>
+              <a:t>Dashboard-features</a:t>
+            </a:r>
+          </a:p>
+          <a:p>
+            <a:endParaRPr lang="en-US" dirty="0"/>
+          </a:p>
+          <a:p>
+            <a:endParaRPr lang="en-US" dirty="0"/>
           </a:p>
         </p:txBody>
       </p:sp>
     </p:spTree>
     <p:extLst>
       <p:ext uri="{BB962C8B-B14F-4D97-AF65-F5344CB8AC3E}">
-        <p14:creationId xmlns:p14="http://schemas.microsoft.com/office/powerpoint/2010/main" val="2293690467"/>
+        <p14:creationId xmlns:p14="http://schemas.microsoft.com/office/powerpoint/2010/main" val="2428136184"/>
       </p:ext>
     </p:extLst>
   </p:cSld>
@@ -6331,6 +6326,612 @@
         </p:nvSpPr>
         <p:spPr>
           <a:xfrm>
+            <a:off x="1276139" y="-54876"/>
+            <a:ext cx="6118821" cy="2571660"/>
+          </a:xfrm>
+        </p:spPr>
+        <p:txBody>
+          <a:bodyPr/>
+          <a:lstStyle/>
+          <a:p>
+            <a:r>
+              <a:rPr lang="en-US" b="1" dirty="0" smtClean="0"/>
+              <a:t>Organization Code</a:t>
+            </a:r>
+            <a:br>
+              <a:rPr lang="en-US" b="1" dirty="0" smtClean="0"/>
+            </a:br>
+            <a:endParaRPr lang="en-US" sz="3600" dirty="0"/>
+          </a:p>
+        </p:txBody>
+      </p:sp>
+      <p:sp>
+        <p:nvSpPr>
+          <p:cNvPr id="3" name="Subtitle 2"/>
+          <p:cNvSpPr>
+            <a:spLocks noGrp="1"/>
+          </p:cNvSpPr>
+          <p:nvPr>
+            <p:ph type="subTitle" idx="1"/>
+          </p:nvPr>
+        </p:nvSpPr>
+        <p:spPr>
+          <a:xfrm>
+            <a:off x="-4176557" y="2005280"/>
+            <a:ext cx="7766936" cy="1096899"/>
+          </a:xfrm>
+        </p:spPr>
+        <p:txBody>
+          <a:bodyPr>
+            <a:normAutofit/>
+          </a:bodyPr>
+          <a:lstStyle/>
+          <a:p>
+            <a:r>
+              <a:rPr lang="en-US" sz="3600" dirty="0"/>
+              <a:t>-Admin</a:t>
+            </a:r>
+          </a:p>
+        </p:txBody>
+      </p:sp>
+      <p:pic>
+        <p:nvPicPr>
+          <p:cNvPr id="4" name="Picture 3"/>
+          <p:cNvPicPr>
+            <a:picLocks noChangeAspect="1"/>
+          </p:cNvPicPr>
+          <p:nvPr/>
+        </p:nvPicPr>
+        <p:blipFill>
+          <a:blip r:embed="rId2">
+            <a:extLst>
+              <a:ext uri="{28A0092B-C50C-407E-A947-70E740481C1C}">
+                <a14:useLocalDpi xmlns:a14="http://schemas.microsoft.com/office/drawing/2010/main" val="0"/>
+              </a:ext>
+            </a:extLst>
+          </a:blip>
+          <a:stretch>
+            <a:fillRect/>
+          </a:stretch>
+        </p:blipFill>
+        <p:spPr>
+          <a:xfrm>
+            <a:off x="525327" y="3011055"/>
+            <a:ext cx="10673963" cy="1498263"/>
+          </a:xfrm>
+          <a:prstGeom prst="rect">
+            <a:avLst/>
+          </a:prstGeom>
+        </p:spPr>
+      </p:pic>
+      <p:sp>
+        <p:nvSpPr>
+          <p:cNvPr id="5" name="TextBox 4"/>
+          <p:cNvSpPr txBox="1"/>
+          <p:nvPr/>
+        </p:nvSpPr>
+        <p:spPr>
+          <a:xfrm>
+            <a:off x="10492510" y="65615"/>
+            <a:ext cx="3172375" cy="646331"/>
+          </a:xfrm>
+          <a:prstGeom prst="rect">
+            <a:avLst/>
+          </a:prstGeom>
+          <a:noFill/>
+        </p:spPr>
+        <p:txBody>
+          <a:bodyPr wrap="square" rtlCol="0">
+            <a:spAutoFit/>
+          </a:bodyPr>
+          <a:lstStyle/>
+          <a:p>
+            <a:r>
+              <a:rPr lang="en-US" dirty="0" smtClean="0">
+                <a:solidFill>
+                  <a:schemeClr val="bg1"/>
+                </a:solidFill>
+              </a:rPr>
+              <a:t>Table Name – </a:t>
+            </a:r>
+          </a:p>
+          <a:p>
+            <a:r>
+              <a:rPr lang="en-US" dirty="0" smtClean="0">
+                <a:solidFill>
+                  <a:schemeClr val="bg1"/>
+                </a:solidFill>
+              </a:rPr>
+              <a:t>Organization</a:t>
+            </a:r>
+            <a:endParaRPr lang="en-US" dirty="0">
+              <a:solidFill>
+                <a:schemeClr val="bg1"/>
+              </a:solidFill>
+            </a:endParaRPr>
+          </a:p>
+        </p:txBody>
+      </p:sp>
+    </p:spTree>
+    <p:extLst>
+      <p:ext uri="{BB962C8B-B14F-4D97-AF65-F5344CB8AC3E}">
+        <p14:creationId xmlns:p14="http://schemas.microsoft.com/office/powerpoint/2010/main" val="1102977379"/>
+      </p:ext>
+    </p:extLst>
+  </p:cSld>
+  <p:clrMapOvr>
+    <a:masterClrMapping/>
+  </p:clrMapOvr>
+</p:sld>
+</file>
+
+<file path=ppt/slides/slide13.xml><?xml version="1.0" encoding="utf-8"?>
+<p:sld xmlns:a="http://schemas.openxmlformats.org/drawingml/2006/main" xmlns:r="http://schemas.openxmlformats.org/officeDocument/2006/relationships" xmlns:p="http://schemas.openxmlformats.org/presentationml/2006/main">
+  <p:cSld>
+    <p:spTree>
+      <p:nvGrpSpPr>
+        <p:cNvPr id="1" name=""/>
+        <p:cNvGrpSpPr/>
+        <p:nvPr/>
+      </p:nvGrpSpPr>
+      <p:grpSpPr>
+        <a:xfrm>
+          <a:off x="0" y="0"/>
+          <a:ext cx="0" cy="0"/>
+          <a:chOff x="0" y="0"/>
+          <a:chExt cx="0" cy="0"/>
+        </a:xfrm>
+      </p:grpSpPr>
+      <p:sp>
+        <p:nvSpPr>
+          <p:cNvPr id="2" name="Title 1"/>
+          <p:cNvSpPr>
+            <a:spLocks noGrp="1"/>
+          </p:cNvSpPr>
+          <p:nvPr>
+            <p:ph type="ctrTitle"/>
+          </p:nvPr>
+        </p:nvSpPr>
+        <p:spPr>
+          <a:xfrm>
+            <a:off x="-2608872" y="-177301"/>
+            <a:ext cx="7766936" cy="1646302"/>
+          </a:xfrm>
+        </p:spPr>
+        <p:txBody>
+          <a:bodyPr/>
+          <a:lstStyle/>
+          <a:p>
+            <a:r>
+              <a:rPr lang="en-US" b="1" dirty="0" smtClean="0"/>
+              <a:t>Contact Us</a:t>
+            </a:r>
+            <a:endParaRPr lang="en-US" dirty="0"/>
+          </a:p>
+        </p:txBody>
+      </p:sp>
+      <p:sp>
+        <p:nvSpPr>
+          <p:cNvPr id="3" name="Subtitle 2"/>
+          <p:cNvSpPr>
+            <a:spLocks noGrp="1"/>
+          </p:cNvSpPr>
+          <p:nvPr>
+            <p:ph type="subTitle" idx="1"/>
+          </p:nvPr>
+        </p:nvSpPr>
+        <p:spPr/>
+        <p:txBody>
+          <a:bodyPr/>
+          <a:lstStyle/>
+          <a:p>
+            <a:endParaRPr lang="en-US"/>
+          </a:p>
+        </p:txBody>
+      </p:sp>
+      <p:pic>
+        <p:nvPicPr>
+          <p:cNvPr id="4" name="Picture 3"/>
+          <p:cNvPicPr>
+            <a:picLocks noChangeAspect="1"/>
+          </p:cNvPicPr>
+          <p:nvPr/>
+        </p:nvPicPr>
+        <p:blipFill>
+          <a:blip r:embed="rId2">
+            <a:extLst>
+              <a:ext uri="{28A0092B-C50C-407E-A947-70E740481C1C}">
+                <a14:useLocalDpi xmlns:a14="http://schemas.microsoft.com/office/drawing/2010/main" val="0"/>
+              </a:ext>
+            </a:extLst>
+          </a:blip>
+          <a:stretch>
+            <a:fillRect/>
+          </a:stretch>
+        </p:blipFill>
+        <p:spPr>
+          <a:xfrm>
+            <a:off x="805102" y="3018726"/>
+            <a:ext cx="10947611" cy="2529909"/>
+          </a:xfrm>
+          <a:prstGeom prst="rect">
+            <a:avLst/>
+          </a:prstGeom>
+        </p:spPr>
+      </p:pic>
+      <p:sp>
+        <p:nvSpPr>
+          <p:cNvPr id="5" name="Subtitle 2"/>
+          <p:cNvSpPr txBox="1">
+            <a:spLocks/>
+          </p:cNvSpPr>
+          <p:nvPr/>
+        </p:nvSpPr>
+        <p:spPr>
+          <a:xfrm>
+            <a:off x="-4268921" y="1372424"/>
+            <a:ext cx="7766936" cy="1096899"/>
+          </a:xfrm>
+          <a:prstGeom prst="rect">
+            <a:avLst/>
+          </a:prstGeom>
+        </p:spPr>
+        <p:txBody>
+          <a:bodyPr vert="horz" lIns="91440" tIns="45720" rIns="91440" bIns="45720" rtlCol="0" anchor="t">
+            <a:normAutofit/>
+          </a:bodyPr>
+          <a:lstStyle>
+            <a:lvl1pPr marL="0" indent="0" algn="r" defTabSz="457200" rtl="0" eaLnBrk="1" latinLnBrk="0" hangingPunct="1">
+              <a:spcBef>
+                <a:spcPts val="1000"/>
+              </a:spcBef>
+              <a:spcAft>
+                <a:spcPts val="0"/>
+              </a:spcAft>
+              <a:buClr>
+                <a:schemeClr val="accent1">
+                  <a:lumMod val="75000"/>
+                </a:schemeClr>
+              </a:buClr>
+              <a:buSzPct val="80000"/>
+              <a:buFont typeface="Wingdings 3" charset="2"/>
+              <a:buNone/>
+              <a:defRPr sz="1800" kern="1200">
+                <a:solidFill>
+                  <a:schemeClr val="tx1">
+                    <a:lumMod val="50000"/>
+                    <a:lumOff val="50000"/>
+                  </a:schemeClr>
+                </a:solidFill>
+                <a:latin typeface="+mn-lt"/>
+                <a:ea typeface="+mn-ea"/>
+                <a:cs typeface="+mn-cs"/>
+              </a:defRPr>
+            </a:lvl1pPr>
+            <a:lvl2pPr marL="457200" indent="0" algn="ctr" defTabSz="457200" rtl="0" eaLnBrk="1" latinLnBrk="0" hangingPunct="1">
+              <a:spcBef>
+                <a:spcPts val="1000"/>
+              </a:spcBef>
+              <a:spcAft>
+                <a:spcPts val="0"/>
+              </a:spcAft>
+              <a:buClr>
+                <a:schemeClr val="accent1">
+                  <a:lumMod val="75000"/>
+                </a:schemeClr>
+              </a:buClr>
+              <a:buSzPct val="80000"/>
+              <a:buFont typeface="Wingdings 3" charset="2"/>
+              <a:buNone/>
+              <a:defRPr sz="1600" kern="1200">
+                <a:solidFill>
+                  <a:schemeClr val="tx1">
+                    <a:tint val="75000"/>
+                  </a:schemeClr>
+                </a:solidFill>
+                <a:latin typeface="+mn-lt"/>
+                <a:ea typeface="+mn-ea"/>
+                <a:cs typeface="+mn-cs"/>
+              </a:defRPr>
+            </a:lvl2pPr>
+            <a:lvl3pPr marL="914400" indent="0" algn="ctr" defTabSz="457200" rtl="0" eaLnBrk="1" latinLnBrk="0" hangingPunct="1">
+              <a:spcBef>
+                <a:spcPts val="1000"/>
+              </a:spcBef>
+              <a:spcAft>
+                <a:spcPts val="0"/>
+              </a:spcAft>
+              <a:buClr>
+                <a:schemeClr val="accent1">
+                  <a:lumMod val="75000"/>
+                </a:schemeClr>
+              </a:buClr>
+              <a:buSzPct val="80000"/>
+              <a:buFont typeface="Wingdings 3" charset="2"/>
+              <a:buNone/>
+              <a:defRPr sz="1400" kern="1200">
+                <a:solidFill>
+                  <a:schemeClr val="tx1">
+                    <a:tint val="75000"/>
+                  </a:schemeClr>
+                </a:solidFill>
+                <a:latin typeface="+mn-lt"/>
+                <a:ea typeface="+mn-ea"/>
+                <a:cs typeface="+mn-cs"/>
+              </a:defRPr>
+            </a:lvl3pPr>
+            <a:lvl4pPr marL="1371600" indent="0" algn="ctr" defTabSz="457200" rtl="0" eaLnBrk="1" latinLnBrk="0" hangingPunct="1">
+              <a:spcBef>
+                <a:spcPts val="1000"/>
+              </a:spcBef>
+              <a:spcAft>
+                <a:spcPts val="0"/>
+              </a:spcAft>
+              <a:buClr>
+                <a:schemeClr val="accent1">
+                  <a:lumMod val="75000"/>
+                </a:schemeClr>
+              </a:buClr>
+              <a:buSzPct val="80000"/>
+              <a:buFont typeface="Wingdings 3" charset="2"/>
+              <a:buNone/>
+              <a:defRPr sz="1200" kern="1200">
+                <a:solidFill>
+                  <a:schemeClr val="tx1">
+                    <a:tint val="75000"/>
+                  </a:schemeClr>
+                </a:solidFill>
+                <a:latin typeface="+mn-lt"/>
+                <a:ea typeface="+mn-ea"/>
+                <a:cs typeface="+mn-cs"/>
+              </a:defRPr>
+            </a:lvl4pPr>
+            <a:lvl5pPr marL="1828800" indent="0" algn="ctr" defTabSz="457200" rtl="0" eaLnBrk="1" latinLnBrk="0" hangingPunct="1">
+              <a:spcBef>
+                <a:spcPts val="1000"/>
+              </a:spcBef>
+              <a:spcAft>
+                <a:spcPts val="0"/>
+              </a:spcAft>
+              <a:buClr>
+                <a:schemeClr val="accent1">
+                  <a:lumMod val="75000"/>
+                </a:schemeClr>
+              </a:buClr>
+              <a:buSzPct val="80000"/>
+              <a:buFont typeface="Wingdings 3" charset="2"/>
+              <a:buNone/>
+              <a:defRPr sz="1200" kern="1200">
+                <a:solidFill>
+                  <a:schemeClr val="tx1">
+                    <a:tint val="75000"/>
+                  </a:schemeClr>
+                </a:solidFill>
+                <a:latin typeface="+mn-lt"/>
+                <a:ea typeface="+mn-ea"/>
+                <a:cs typeface="+mn-cs"/>
+              </a:defRPr>
+            </a:lvl5pPr>
+            <a:lvl6pPr marL="2286000" indent="0" algn="ctr" defTabSz="457200" rtl="0" eaLnBrk="1" latinLnBrk="0" hangingPunct="1">
+              <a:spcBef>
+                <a:spcPts val="1000"/>
+              </a:spcBef>
+              <a:spcAft>
+                <a:spcPts val="0"/>
+              </a:spcAft>
+              <a:buClr>
+                <a:schemeClr val="accent1">
+                  <a:lumMod val="75000"/>
+                </a:schemeClr>
+              </a:buClr>
+              <a:buSzPct val="80000"/>
+              <a:buFont typeface="Wingdings 3" charset="2"/>
+              <a:buNone/>
+              <a:defRPr sz="1200" kern="1200">
+                <a:solidFill>
+                  <a:schemeClr val="tx1">
+                    <a:tint val="75000"/>
+                  </a:schemeClr>
+                </a:solidFill>
+                <a:latin typeface="+mn-lt"/>
+                <a:ea typeface="+mn-ea"/>
+                <a:cs typeface="+mn-cs"/>
+              </a:defRPr>
+            </a:lvl6pPr>
+            <a:lvl7pPr marL="2743200" indent="0" algn="ctr" defTabSz="457200" rtl="0" eaLnBrk="1" latinLnBrk="0" hangingPunct="1">
+              <a:spcBef>
+                <a:spcPts val="1000"/>
+              </a:spcBef>
+              <a:spcAft>
+                <a:spcPts val="0"/>
+              </a:spcAft>
+              <a:buClr>
+                <a:schemeClr val="accent1">
+                  <a:lumMod val="75000"/>
+                </a:schemeClr>
+              </a:buClr>
+              <a:buSzPct val="80000"/>
+              <a:buFont typeface="Wingdings 3" charset="2"/>
+              <a:buNone/>
+              <a:defRPr sz="1200" kern="1200">
+                <a:solidFill>
+                  <a:schemeClr val="tx1">
+                    <a:tint val="75000"/>
+                  </a:schemeClr>
+                </a:solidFill>
+                <a:latin typeface="+mn-lt"/>
+                <a:ea typeface="+mn-ea"/>
+                <a:cs typeface="+mn-cs"/>
+              </a:defRPr>
+            </a:lvl7pPr>
+            <a:lvl8pPr marL="3200400" indent="0" algn="ctr" defTabSz="457200" rtl="0" eaLnBrk="1" latinLnBrk="0" hangingPunct="1">
+              <a:spcBef>
+                <a:spcPts val="1000"/>
+              </a:spcBef>
+              <a:spcAft>
+                <a:spcPts val="0"/>
+              </a:spcAft>
+              <a:buClr>
+                <a:schemeClr val="accent1">
+                  <a:lumMod val="75000"/>
+                </a:schemeClr>
+              </a:buClr>
+              <a:buSzPct val="80000"/>
+              <a:buFont typeface="Wingdings 3" charset="2"/>
+              <a:buNone/>
+              <a:defRPr sz="1200" kern="1200">
+                <a:solidFill>
+                  <a:schemeClr val="tx1">
+                    <a:tint val="75000"/>
+                  </a:schemeClr>
+                </a:solidFill>
+                <a:latin typeface="+mn-lt"/>
+                <a:ea typeface="+mn-ea"/>
+                <a:cs typeface="+mn-cs"/>
+              </a:defRPr>
+            </a:lvl8pPr>
+            <a:lvl9pPr marL="3657600" indent="0" algn="ctr" defTabSz="457200" rtl="0" eaLnBrk="1" latinLnBrk="0" hangingPunct="1">
+              <a:spcBef>
+                <a:spcPts val="1000"/>
+              </a:spcBef>
+              <a:spcAft>
+                <a:spcPts val="0"/>
+              </a:spcAft>
+              <a:buClr>
+                <a:schemeClr val="accent1">
+                  <a:lumMod val="75000"/>
+                </a:schemeClr>
+              </a:buClr>
+              <a:buSzPct val="80000"/>
+              <a:buFont typeface="Wingdings 3" charset="2"/>
+              <a:buNone/>
+              <a:defRPr sz="1200" kern="1200">
+                <a:solidFill>
+                  <a:schemeClr val="tx1">
+                    <a:tint val="75000"/>
+                  </a:schemeClr>
+                </a:solidFill>
+                <a:latin typeface="+mn-lt"/>
+                <a:ea typeface="+mn-ea"/>
+                <a:cs typeface="+mn-cs"/>
+              </a:defRPr>
+            </a:lvl9pPr>
+          </a:lstStyle>
+          <a:p>
+            <a:r>
+              <a:rPr lang="en-US" sz="3600" dirty="0" smtClean="0"/>
+              <a:t>-Admin</a:t>
+            </a:r>
+            <a:endParaRPr lang="en-US" sz="3600" dirty="0"/>
+          </a:p>
+        </p:txBody>
+      </p:sp>
+      <p:sp>
+        <p:nvSpPr>
+          <p:cNvPr id="7" name="TextBox 6"/>
+          <p:cNvSpPr txBox="1"/>
+          <p:nvPr/>
+        </p:nvSpPr>
+        <p:spPr>
+          <a:xfrm>
+            <a:off x="10337394" y="191583"/>
+            <a:ext cx="3172375" cy="646331"/>
+          </a:xfrm>
+          <a:prstGeom prst="rect">
+            <a:avLst/>
+          </a:prstGeom>
+          <a:noFill/>
+        </p:spPr>
+        <p:txBody>
+          <a:bodyPr wrap="square" rtlCol="0">
+            <a:spAutoFit/>
+          </a:bodyPr>
+          <a:lstStyle/>
+          <a:p>
+            <a:r>
+              <a:rPr lang="en-US" dirty="0" smtClean="0">
+                <a:solidFill>
+                  <a:schemeClr val="bg1"/>
+                </a:solidFill>
+              </a:rPr>
+              <a:t>Table Name </a:t>
+            </a:r>
+            <a:r>
+              <a:rPr lang="en-US" dirty="0" smtClean="0">
+                <a:solidFill>
+                  <a:schemeClr val="bg1"/>
+                </a:solidFill>
+              </a:rPr>
+              <a:t>–</a:t>
+            </a:r>
+          </a:p>
+          <a:p>
+            <a:r>
+              <a:rPr lang="en-US" dirty="0" err="1">
+                <a:solidFill>
+                  <a:schemeClr val="bg1"/>
+                </a:solidFill>
+              </a:rPr>
+              <a:t>c</a:t>
+            </a:r>
+            <a:r>
+              <a:rPr lang="en-US" dirty="0" err="1" smtClean="0">
+                <a:solidFill>
+                  <a:schemeClr val="bg1"/>
+                </a:solidFill>
+              </a:rPr>
+              <a:t>ontact_us</a:t>
+            </a:r>
+            <a:endParaRPr lang="en-US" dirty="0" smtClean="0">
+              <a:solidFill>
+                <a:schemeClr val="bg1"/>
+              </a:solidFill>
+            </a:endParaRPr>
+          </a:p>
+        </p:txBody>
+      </p:sp>
+    </p:spTree>
+    <p:extLst>
+      <p:ext uri="{BB962C8B-B14F-4D97-AF65-F5344CB8AC3E}">
+        <p14:creationId xmlns:p14="http://schemas.microsoft.com/office/powerpoint/2010/main" val="3368684466"/>
+      </p:ext>
+    </p:extLst>
+  </p:cSld>
+  <p:clrMapOvr>
+    <a:masterClrMapping/>
+  </p:clrMapOvr>
+</p:sld>
+</file>
+
+<file path=ppt/slides/slide14.xml><?xml version="1.0" encoding="utf-8"?>
+<p:sld xmlns:a="http://schemas.openxmlformats.org/drawingml/2006/main" xmlns:r="http://schemas.openxmlformats.org/officeDocument/2006/relationships" xmlns:p="http://schemas.openxmlformats.org/presentationml/2006/main">
+  <p:cSld>
+    <p:spTree>
+      <p:nvGrpSpPr>
+        <p:cNvPr id="1" name=""/>
+        <p:cNvGrpSpPr/>
+        <p:nvPr/>
+      </p:nvGrpSpPr>
+      <p:grpSpPr>
+        <a:xfrm>
+          <a:off x="0" y="0"/>
+          <a:ext cx="0" cy="0"/>
+          <a:chOff x="0" y="0"/>
+          <a:chExt cx="0" cy="0"/>
+        </a:xfrm>
+      </p:grpSpPr>
+      <p:sp>
+        <p:nvSpPr>
+          <p:cNvPr id="2" name="Title 1"/>
+          <p:cNvSpPr>
+            <a:spLocks noGrp="1"/>
+          </p:cNvSpPr>
+          <p:nvPr>
+            <p:ph type="ctrTitle"/>
+          </p:nvPr>
+        </p:nvSpPr>
+        <p:spPr>
+          <a:xfrm>
             <a:off x="0" y="546847"/>
             <a:ext cx="7766936" cy="1646302"/>
           </a:xfrm>
@@ -6509,7 +7110,7 @@
 </p:sld>
 </file>
 
-<file path=ppt/slides/slide13.xml><?xml version="1.0" encoding="utf-8"?>
+<file path=ppt/slides/slide15.xml><?xml version="1.0" encoding="utf-8"?>
 <p:sld xmlns:a="http://schemas.openxmlformats.org/drawingml/2006/main" xmlns:r="http://schemas.openxmlformats.org/officeDocument/2006/relationships" xmlns:p="http://schemas.openxmlformats.org/presentationml/2006/main">
   <p:cSld>
     <p:spTree>
@@ -6591,35 +7192,55 @@
             <a:spLocks noGrp="1"/>
           </p:cNvSpPr>
           <p:nvPr>
-            <p:ph type="ctrTitle"/>
-          </p:nvPr>
-        </p:nvSpPr>
-        <p:spPr>
-          <a:xfrm>
-            <a:off x="-2432922" y="199160"/>
-            <a:ext cx="7180729" cy="1646302"/>
-          </a:xfrm>
-        </p:spPr>
-        <p:txBody>
-          <a:bodyPr/>
-          <a:lstStyle/>
-          <a:p>
+            <p:ph type="title"/>
+          </p:nvPr>
+        </p:nvSpPr>
+        <p:spPr>
+          <a:xfrm>
+            <a:off x="961483" y="600636"/>
+            <a:ext cx="8596668" cy="1320800"/>
+          </a:xfrm>
+        </p:spPr>
+        <p:txBody>
+          <a:bodyPr>
+            <a:normAutofit fontScale="90000"/>
+          </a:bodyPr>
+          <a:lstStyle/>
+          <a:p>
+            <a:r>
+              <a:rPr lang="en-US" sz="5400" b="1" dirty="0" smtClean="0"/>
+              <a:t>Login</a:t>
+            </a:r>
             <a:r>
               <a:rPr lang="en-US" b="1" dirty="0" smtClean="0"/>
-              <a:t>Register As</a:t>
-            </a:r>
-            <a:r>
-              <a:rPr lang="en-US" b="1" dirty="0"/>
               <a:t/>
             </a:r>
             <a:br>
-              <a:rPr lang="en-US" b="1" dirty="0"/>
+              <a:rPr lang="en-US" b="1" dirty="0" smtClean="0"/>
             </a:br>
             <a:r>
-              <a:rPr lang="en-US" b="1" dirty="0" smtClean="0"/>
-              <a:t>   </a:t>
-            </a:r>
-            <a:endParaRPr lang="en-US" dirty="0">
+              <a:rPr lang="en-US" sz="4000" dirty="0" smtClean="0">
+                <a:solidFill>
+                  <a:schemeClr val="tx1">
+                    <a:lumMod val="50000"/>
+                    <a:lumOff val="50000"/>
+                  </a:schemeClr>
+                </a:solidFill>
+              </a:rPr>
+              <a:t>-Volunteer/Event </a:t>
+            </a:r>
+            <a:r>
+              <a:rPr lang="en-US" sz="4000" dirty="0" smtClean="0">
+                <a:solidFill>
+                  <a:schemeClr val="tx1">
+                    <a:lumMod val="50000"/>
+                    <a:lumOff val="50000"/>
+                  </a:schemeClr>
+                </a:solidFill>
+              </a:rPr>
+              <a:t>Manager/Admin </a:t>
+            </a:r>
+            <a:endParaRPr lang="en-US" sz="4000" dirty="0">
               <a:solidFill>
                 <a:schemeClr val="tx1">
                   <a:lumMod val="50000"/>
@@ -6630,42 +7251,15 @@
           </a:p>
         </p:txBody>
       </p:sp>
-      <p:sp>
-        <p:nvSpPr>
-          <p:cNvPr id="3" name="Subtitle 2"/>
-          <p:cNvSpPr>
-            <a:spLocks noGrp="1"/>
-          </p:cNvSpPr>
-          <p:nvPr>
-            <p:ph type="subTitle" idx="1"/>
-          </p:nvPr>
-        </p:nvSpPr>
-        <p:spPr>
-          <a:xfrm>
-            <a:off x="-2661521" y="1022311"/>
-            <a:ext cx="7766936" cy="1096899"/>
-          </a:xfrm>
-        </p:spPr>
-        <p:txBody>
-          <a:bodyPr>
-            <a:normAutofit/>
-          </a:bodyPr>
-          <a:lstStyle/>
-          <a:p>
-            <a:r>
-              <a:rPr lang="en-US" sz="3600" dirty="0"/>
-              <a:t>-Event Manager</a:t>
-            </a:r>
-          </a:p>
-        </p:txBody>
-      </p:sp>
       <p:pic>
         <p:nvPicPr>
-          <p:cNvPr id="4" name="Picture 3"/>
+          <p:cNvPr id="4" name="Content Placeholder 3"/>
           <p:cNvPicPr>
-            <a:picLocks noChangeAspect="1"/>
+            <a:picLocks noGrp="1" noChangeAspect="1"/>
           </p:cNvPicPr>
-          <p:nvPr/>
+          <p:nvPr>
+            <p:ph idx="1"/>
+          </p:nvPr>
         </p:nvPicPr>
         <p:blipFill>
           <a:blip r:embed="rId2">
@@ -6681,12 +7275,9 @@
         </p:blipFill>
         <p:spPr>
           <a:xfrm>
-            <a:off x="709207" y="1693822"/>
-            <a:ext cx="10057405" cy="4910740"/>
-          </a:xfrm>
-          <a:prstGeom prst="rect">
-            <a:avLst/>
-          </a:prstGeom>
+            <a:off x="665648" y="2217272"/>
+            <a:ext cx="9643964" cy="1941034"/>
+          </a:xfrm>
         </p:spPr>
       </p:pic>
       <p:sp>
@@ -6697,8 +7288,8 @@
         </p:nvSpPr>
         <p:spPr>
           <a:xfrm>
-            <a:off x="10030691" y="93324"/>
-            <a:ext cx="4059067" cy="646331"/>
+            <a:off x="9882910" y="65615"/>
+            <a:ext cx="3172375" cy="369332"/>
           </a:xfrm>
           <a:prstGeom prst="rect">
             <a:avLst/>
@@ -6717,17 +7308,7 @@
                   <a:schemeClr val="bg1"/>
                 </a:solidFill>
               </a:rPr>
-              <a:t>Table Name –</a:t>
-            </a:r>
-          </a:p>
-          <a:p>
-            <a:r>
-              <a:rPr lang="en-US" dirty="0" smtClean="0">
-                <a:solidFill>
-                  <a:schemeClr val="bg1"/>
-                </a:solidFill>
-              </a:rPr>
-              <a:t> Manager   details</a:t>
+              <a:t>Table Name - Login</a:t>
             </a:r>
             <a:endParaRPr lang="en-US" dirty="0">
               <a:solidFill>
@@ -6740,7 +7321,7 @@
     </p:spTree>
     <p:extLst>
       <p:ext uri="{BB962C8B-B14F-4D97-AF65-F5344CB8AC3E}">
-        <p14:creationId xmlns:p14="http://schemas.microsoft.com/office/powerpoint/2010/main" val="1886459361"/>
+        <p14:creationId xmlns:p14="http://schemas.microsoft.com/office/powerpoint/2010/main" val="364894996"/>
       </p:ext>
     </p:extLst>
   </p:cSld>
@@ -6779,8 +7360,8 @@
         </p:nvSpPr>
         <p:spPr>
           <a:xfrm>
-            <a:off x="1102658" y="0"/>
-            <a:ext cx="3765176" cy="1646302"/>
+            <a:off x="-2432922" y="199160"/>
+            <a:ext cx="7180729" cy="1646302"/>
           </a:xfrm>
         </p:spPr>
         <p:txBody>
@@ -6791,30 +7372,16 @@
               <a:rPr lang="en-US" b="1" dirty="0" smtClean="0"/>
               <a:t>Register As</a:t>
             </a:r>
+            <a:r>
+              <a:rPr lang="en-US" b="1" dirty="0"/>
+              <a:t/>
+            </a:r>
             <a:br>
+              <a:rPr lang="en-US" b="1" dirty="0"/>
+            </a:br>
+            <a:r>
               <a:rPr lang="en-US" b="1" dirty="0" smtClean="0"/>
-            </a:br>
-            <a:r>
-              <a:rPr lang="en-US" dirty="0" smtClean="0">
-                <a:solidFill>
-                  <a:schemeClr val="tx1">
-                    <a:lumMod val="50000"/>
-                    <a:lumOff val="50000"/>
-                  </a:schemeClr>
-                </a:solidFill>
-              </a:rPr>
-              <a:t>-</a:t>
-            </a:r>
-            <a:r>
-              <a:rPr lang="en-US" sz="3600" dirty="0" smtClean="0">
-                <a:solidFill>
-                  <a:schemeClr val="tx1">
-                    <a:lumMod val="50000"/>
-                    <a:lumOff val="50000"/>
-                  </a:schemeClr>
-                </a:solidFill>
-              </a:rPr>
-              <a:t>Volunteer</a:t>
+              <a:t>   </a:t>
             </a:r>
             <a:endParaRPr lang="en-US" dirty="0">
               <a:solidFill>
@@ -6837,12 +7404,22 @@
             <p:ph type="subTitle" idx="1"/>
           </p:nvPr>
         </p:nvSpPr>
-        <p:spPr/>
-        <p:txBody>
-          <a:bodyPr/>
-          <a:lstStyle/>
-          <a:p>
-            <a:endParaRPr lang="en-US"/>
+        <p:spPr>
+          <a:xfrm>
+            <a:off x="-2661521" y="1022311"/>
+            <a:ext cx="7766936" cy="1096899"/>
+          </a:xfrm>
+        </p:spPr>
+        <p:txBody>
+          <a:bodyPr>
+            <a:normAutofit/>
+          </a:bodyPr>
+          <a:lstStyle/>
+          <a:p>
+            <a:r>
+              <a:rPr lang="en-US" sz="3600" dirty="0"/>
+              <a:t>-Event Manager</a:t>
+            </a:r>
           </a:p>
         </p:txBody>
       </p:sp>
@@ -6868,8 +7445,8 @@
         </p:blipFill>
         <p:spPr>
           <a:xfrm>
-            <a:off x="1102658" y="1534694"/>
-            <a:ext cx="8430820" cy="5323306"/>
+            <a:off x="709207" y="1693822"/>
+            <a:ext cx="10057405" cy="4910740"/>
           </a:xfrm>
           <a:prstGeom prst="rect">
             <a:avLst/>
@@ -6884,8 +7461,8 @@
         </p:nvSpPr>
         <p:spPr>
           <a:xfrm>
-            <a:off x="10367005" y="110439"/>
-            <a:ext cx="3172375" cy="646331"/>
+            <a:off x="10030691" y="93324"/>
+            <a:ext cx="4059067" cy="646331"/>
           </a:xfrm>
           <a:prstGeom prst="rect">
             <a:avLst/>
@@ -6904,7 +7481,7 @@
                   <a:schemeClr val="bg1"/>
                 </a:solidFill>
               </a:rPr>
-              <a:t>Table Name – </a:t>
+              <a:t>Table Name –</a:t>
             </a:r>
           </a:p>
           <a:p>
@@ -6914,7 +7491,7 @@
                   <a:schemeClr val="bg1"/>
                 </a:solidFill>
               </a:rPr>
-              <a:t>Member details</a:t>
+              <a:t> Manager   details</a:t>
             </a:r>
             <a:endParaRPr lang="en-US" dirty="0">
               <a:solidFill>
@@ -6927,7 +7504,7 @@
     </p:spTree>
     <p:extLst>
       <p:ext uri="{BB962C8B-B14F-4D97-AF65-F5344CB8AC3E}">
-        <p14:creationId xmlns:p14="http://schemas.microsoft.com/office/powerpoint/2010/main" val="1478577386"/>
+        <p14:creationId xmlns:p14="http://schemas.microsoft.com/office/powerpoint/2010/main" val="1886459361"/>
       </p:ext>
     </p:extLst>
   </p:cSld>
@@ -6961,34 +7538,28 @@
             <a:spLocks noGrp="1"/>
           </p:cNvSpPr>
           <p:nvPr>
-            <p:ph type="title"/>
-          </p:nvPr>
-        </p:nvSpPr>
-        <p:spPr>
-          <a:xfrm>
-            <a:off x="961483" y="600636"/>
-            <a:ext cx="8596668" cy="1320800"/>
-          </a:xfrm>
-        </p:spPr>
-        <p:txBody>
-          <a:bodyPr>
-            <a:normAutofit fontScale="90000"/>
-          </a:bodyPr>
-          <a:lstStyle/>
-          <a:p>
-            <a:r>
-              <a:rPr lang="en-US" sz="5400" b="1" dirty="0" smtClean="0"/>
-              <a:t>Login</a:t>
-            </a:r>
+            <p:ph type="ctrTitle"/>
+          </p:nvPr>
+        </p:nvSpPr>
+        <p:spPr>
+          <a:xfrm>
+            <a:off x="1102658" y="0"/>
+            <a:ext cx="3765176" cy="1646302"/>
+          </a:xfrm>
+        </p:spPr>
+        <p:txBody>
+          <a:bodyPr/>
+          <a:lstStyle/>
+          <a:p>
             <a:r>
               <a:rPr lang="en-US" b="1" dirty="0" smtClean="0"/>
-              <a:t/>
+              <a:t>Register As</a:t>
             </a:r>
             <a:br>
               <a:rPr lang="en-US" b="1" dirty="0" smtClean="0"/>
             </a:br>
             <a:r>
-              <a:rPr lang="en-US" sz="4000" dirty="0" smtClean="0">
+              <a:rPr lang="en-US" dirty="0" smtClean="0">
                 <a:solidFill>
                   <a:schemeClr val="tx1">
                     <a:lumMod val="50000"/>
@@ -6996,10 +7567,10 @@
                   </a:schemeClr>
                 </a:solidFill>
               </a:rPr>
-              <a:t>-Volunteer/Event </a:t>
-            </a:r>
-            <a:r>
-              <a:rPr lang="en-US" sz="4000" dirty="0">
+              <a:t>-</a:t>
+            </a:r>
+            <a:r>
+              <a:rPr lang="en-US" sz="3600" dirty="0" smtClean="0">
                 <a:solidFill>
                   <a:schemeClr val="tx1">
                     <a:lumMod val="50000"/>
@@ -7007,20 +7578,9 @@
                   </a:schemeClr>
                 </a:solidFill>
               </a:rPr>
-              <a:t>Manager</a:t>
-            </a:r>
-            <a:r>
-              <a:rPr lang="en-US" sz="4000" dirty="0" smtClean="0">
-                <a:solidFill>
-                  <a:schemeClr val="tx1">
-                    <a:lumMod val="50000"/>
-                    <a:lumOff val="50000"/>
-                  </a:schemeClr>
-                </a:solidFill>
-              </a:rPr>
-              <a:t> </a:t>
-            </a:r>
-            <a:endParaRPr lang="en-US" sz="4000" dirty="0">
+              <a:t>Volunteer</a:t>
+            </a:r>
+            <a:endParaRPr lang="en-US" dirty="0">
               <a:solidFill>
                 <a:schemeClr val="tx1">
                   <a:lumMod val="50000"/>
@@ -7031,15 +7591,32 @@
           </a:p>
         </p:txBody>
       </p:sp>
+      <p:sp>
+        <p:nvSpPr>
+          <p:cNvPr id="3" name="Subtitle 2"/>
+          <p:cNvSpPr>
+            <a:spLocks noGrp="1"/>
+          </p:cNvSpPr>
+          <p:nvPr>
+            <p:ph type="subTitle" idx="1"/>
+          </p:nvPr>
+        </p:nvSpPr>
+        <p:spPr/>
+        <p:txBody>
+          <a:bodyPr/>
+          <a:lstStyle/>
+          <a:p>
+            <a:endParaRPr lang="en-US"/>
+          </a:p>
+        </p:txBody>
+      </p:sp>
       <p:pic>
         <p:nvPicPr>
-          <p:cNvPr id="4" name="Content Placeholder 3"/>
+          <p:cNvPr id="4" name="Picture 3"/>
           <p:cNvPicPr>
-            <a:picLocks noGrp="1" noChangeAspect="1"/>
+            <a:picLocks noChangeAspect="1"/>
           </p:cNvPicPr>
-          <p:nvPr>
-            <p:ph idx="1"/>
-          </p:nvPr>
+          <p:nvPr/>
         </p:nvPicPr>
         <p:blipFill>
           <a:blip r:embed="rId2">
@@ -7055,9 +7632,12 @@
         </p:blipFill>
         <p:spPr>
           <a:xfrm>
-            <a:off x="665648" y="2217272"/>
-            <a:ext cx="9643964" cy="1941034"/>
-          </a:xfrm>
+            <a:off x="1102658" y="1534694"/>
+            <a:ext cx="8430820" cy="5323306"/>
+          </a:xfrm>
+          <a:prstGeom prst="rect">
+            <a:avLst/>
+          </a:prstGeom>
         </p:spPr>
       </p:pic>
       <p:sp>
@@ -7068,8 +7648,8 @@
         </p:nvSpPr>
         <p:spPr>
           <a:xfrm>
-            <a:off x="9882910" y="65615"/>
-            <a:ext cx="3172375" cy="369332"/>
+            <a:off x="10367005" y="110439"/>
+            <a:ext cx="3172375" cy="646331"/>
           </a:xfrm>
           <a:prstGeom prst="rect">
             <a:avLst/>
@@ -7088,7 +7668,17 @@
                   <a:schemeClr val="bg1"/>
                 </a:solidFill>
               </a:rPr>
-              <a:t>Table Name - Login</a:t>
+              <a:t>Table Name – </a:t>
+            </a:r>
+          </a:p>
+          <a:p>
+            <a:r>
+              <a:rPr lang="en-US" dirty="0" smtClean="0">
+                <a:solidFill>
+                  <a:schemeClr val="bg1"/>
+                </a:solidFill>
+              </a:rPr>
+              <a:t>Member details</a:t>
             </a:r>
             <a:endParaRPr lang="en-US" dirty="0">
               <a:solidFill>
@@ -7101,7 +7691,7 @@
     </p:spTree>
     <p:extLst>
       <p:ext uri="{BB962C8B-B14F-4D97-AF65-F5344CB8AC3E}">
-        <p14:creationId xmlns:p14="http://schemas.microsoft.com/office/powerpoint/2010/main" val="364894996"/>
+        <p14:creationId xmlns:p14="http://schemas.microsoft.com/office/powerpoint/2010/main" val="1478577386"/>
       </p:ext>
     </p:extLst>
   </p:cSld>
@@ -7400,8 +7990,8 @@
         </p:nvSpPr>
         <p:spPr>
           <a:xfrm>
-            <a:off x="83127" y="1979658"/>
-            <a:ext cx="7766936" cy="1646302"/>
+            <a:off x="-4962773" y="484092"/>
+            <a:ext cx="9515163" cy="1495895"/>
           </a:xfrm>
         </p:spPr>
         <p:txBody>
@@ -7409,23 +7999,93 @@
           <a:lstStyle/>
           <a:p>
             <a:r>
-              <a:rPr lang="en-US" sz="9600" dirty="0" smtClean="0"/>
-              <a:t>Volunteer</a:t>
-            </a:r>
-            <a:endParaRPr lang="en-US" sz="9600" dirty="0"/>
-          </a:p>
-        </p:txBody>
-      </p:sp>
-      <p:sp>
-        <p:nvSpPr>
-          <p:cNvPr id="4" name="TextBox 3"/>
+              <a:rPr lang="en-US" b="1" dirty="0" smtClean="0"/>
+              <a:t> </a:t>
+            </a:r>
+            <a:r>
+              <a:rPr lang="en-US" b="1" dirty="0" err="1" smtClean="0"/>
+              <a:t>ToDo</a:t>
+            </a:r>
+            <a:r>
+              <a:rPr lang="en-US" b="1" dirty="0" smtClean="0"/>
+              <a:t> List     </a:t>
+            </a:r>
+            <a:br>
+              <a:rPr lang="en-US" b="1" dirty="0" smtClean="0"/>
+            </a:br>
+            <a:endParaRPr lang="en-US" sz="3600" dirty="0"/>
+          </a:p>
+        </p:txBody>
+      </p:sp>
+      <p:sp>
+        <p:nvSpPr>
+          <p:cNvPr id="3" name="Subtitle 2"/>
+          <p:cNvSpPr>
+            <a:spLocks noGrp="1"/>
+          </p:cNvSpPr>
+          <p:nvPr>
+            <p:ph type="subTitle" idx="1"/>
+          </p:nvPr>
+        </p:nvSpPr>
+        <p:spPr>
+          <a:xfrm>
+            <a:off x="1219200" y="1431537"/>
+            <a:ext cx="5804662" cy="1096899"/>
+          </a:xfrm>
+        </p:spPr>
+        <p:txBody>
+          <a:bodyPr>
+            <a:normAutofit/>
+          </a:bodyPr>
+          <a:lstStyle/>
+          <a:p>
+            <a:r>
+              <a:rPr lang="en-US" sz="3600" dirty="0"/>
+              <a:t>-Volunteer/Event Manager</a:t>
+            </a:r>
+          </a:p>
+        </p:txBody>
+      </p:sp>
+      <p:pic>
+        <p:nvPicPr>
+          <p:cNvPr id="4" name="Picture 3"/>
+          <p:cNvPicPr>
+            <a:picLocks noChangeAspect="1"/>
+          </p:cNvPicPr>
+          <p:nvPr/>
+        </p:nvPicPr>
+        <p:blipFill>
+          <a:blip r:embed="rId2">
+            <a:extLst>
+              <a:ext uri="{28A0092B-C50C-407E-A947-70E740481C1C}">
+                <a14:useLocalDpi xmlns:a14="http://schemas.microsoft.com/office/drawing/2010/main" val="0"/>
+              </a:ext>
+            </a:extLst>
+          </a:blip>
+          <a:stretch>
+            <a:fillRect/>
+          </a:stretch>
+        </p:blipFill>
+        <p:spPr>
+          <a:xfrm>
+            <a:off x="618244" y="2927432"/>
+            <a:ext cx="10701344" cy="2462577"/>
+          </a:xfrm>
+          <a:prstGeom prst="rect">
+            <a:avLst/>
+          </a:prstGeom>
+        </p:spPr>
+      </p:pic>
+      <p:sp>
+        <p:nvSpPr>
+          <p:cNvPr id="5" name="TextBox 4"/>
           <p:cNvSpPr txBox="1"/>
           <p:nvPr/>
         </p:nvSpPr>
         <p:spPr>
           <a:xfrm>
-            <a:off x="2872509" y="3625960"/>
-            <a:ext cx="5541818" cy="984885"/>
+            <a:off x="9882910" y="65615"/>
+            <a:ext cx="3172375" cy="369332"/>
           </a:xfrm>
           <a:prstGeom prst="rect">
             <a:avLst/>
@@ -7439,19 +8099,25 @@
           <a:lstStyle/>
           <a:p>
             <a:r>
-              <a:rPr lang="en-US" sz="4000" dirty="0"/>
-              <a:t>Dashboard-features</a:t>
-            </a:r>
-          </a:p>
-          <a:p>
-            <a:endParaRPr lang="en-US" dirty="0"/>
+              <a:rPr lang="en-US" dirty="0" smtClean="0">
+                <a:solidFill>
+                  <a:schemeClr val="bg1"/>
+                </a:solidFill>
+              </a:rPr>
+              <a:t>Table Name – to-do</a:t>
+            </a:r>
+            <a:endParaRPr lang="en-US" dirty="0">
+              <a:solidFill>
+                <a:schemeClr val="bg1"/>
+              </a:solidFill>
+            </a:endParaRPr>
           </a:p>
         </p:txBody>
       </p:sp>
     </p:spTree>
     <p:extLst>
       <p:ext uri="{BB962C8B-B14F-4D97-AF65-F5344CB8AC3E}">
-        <p14:creationId xmlns:p14="http://schemas.microsoft.com/office/powerpoint/2010/main" val="3908256571"/>
+        <p14:creationId xmlns:p14="http://schemas.microsoft.com/office/powerpoint/2010/main" val="1811369015"/>
       </p:ext>
     </p:extLst>
   </p:cSld>
@@ -7490,8 +8156,8 @@
         </p:nvSpPr>
         <p:spPr>
           <a:xfrm>
-            <a:off x="-4962773" y="484092"/>
-            <a:ext cx="9515163" cy="1495895"/>
+            <a:off x="83127" y="1979658"/>
+            <a:ext cx="7766936" cy="1646302"/>
           </a:xfrm>
         </p:spPr>
         <p:txBody>
@@ -7499,93 +8165,23 @@
           <a:lstStyle/>
           <a:p>
             <a:r>
-              <a:rPr lang="en-US" b="1" dirty="0" smtClean="0"/>
-              <a:t> </a:t>
-            </a:r>
-            <a:r>
-              <a:rPr lang="en-US" b="1" dirty="0" err="1" smtClean="0"/>
-              <a:t>ToDo</a:t>
-            </a:r>
-            <a:r>
-              <a:rPr lang="en-US" b="1" dirty="0" smtClean="0"/>
-              <a:t> List     </a:t>
-            </a:r>
-            <a:br>
-              <a:rPr lang="en-US" b="1" dirty="0" smtClean="0"/>
-            </a:br>
-            <a:endParaRPr lang="en-US" sz="3600" dirty="0"/>
-          </a:p>
-        </p:txBody>
-      </p:sp>
-      <p:sp>
-        <p:nvSpPr>
-          <p:cNvPr id="3" name="Subtitle 2"/>
-          <p:cNvSpPr>
-            <a:spLocks noGrp="1"/>
-          </p:cNvSpPr>
-          <p:nvPr>
-            <p:ph type="subTitle" idx="1"/>
-          </p:nvPr>
-        </p:nvSpPr>
-        <p:spPr>
-          <a:xfrm>
-            <a:off x="1219200" y="1431537"/>
-            <a:ext cx="5804662" cy="1096899"/>
-          </a:xfrm>
-        </p:spPr>
-        <p:txBody>
-          <a:bodyPr>
-            <a:normAutofit/>
-          </a:bodyPr>
-          <a:lstStyle/>
-          <a:p>
-            <a:r>
-              <a:rPr lang="en-US" sz="3600" dirty="0"/>
-              <a:t>-Volunteer/Event Manager</a:t>
-            </a:r>
-          </a:p>
-        </p:txBody>
-      </p:sp>
-      <p:pic>
-        <p:nvPicPr>
-          <p:cNvPr id="4" name="Picture 3"/>
-          <p:cNvPicPr>
-            <a:picLocks noChangeAspect="1"/>
-          </p:cNvPicPr>
-          <p:nvPr/>
-        </p:nvPicPr>
-        <p:blipFill>
-          <a:blip r:embed="rId2">
-            <a:extLst>
-              <a:ext uri="{28A0092B-C50C-407E-A947-70E740481C1C}">
-                <a14:useLocalDpi xmlns:a14="http://schemas.microsoft.com/office/drawing/2010/main" val="0"/>
-              </a:ext>
-            </a:extLst>
-          </a:blip>
-          <a:stretch>
-            <a:fillRect/>
-          </a:stretch>
-        </p:blipFill>
-        <p:spPr>
-          <a:xfrm>
-            <a:off x="618244" y="2927432"/>
-            <a:ext cx="10701344" cy="2462577"/>
-          </a:xfrm>
-          <a:prstGeom prst="rect">
-            <a:avLst/>
-          </a:prstGeom>
-        </p:spPr>
-      </p:pic>
-      <p:sp>
-        <p:nvSpPr>
-          <p:cNvPr id="5" name="TextBox 4"/>
+              <a:rPr lang="en-US" sz="9600" dirty="0" smtClean="0"/>
+              <a:t>Volunteer</a:t>
+            </a:r>
+            <a:endParaRPr lang="en-US" sz="9600" dirty="0"/>
+          </a:p>
+        </p:txBody>
+      </p:sp>
+      <p:sp>
+        <p:nvSpPr>
+          <p:cNvPr id="4" name="TextBox 3"/>
           <p:cNvSpPr txBox="1"/>
           <p:nvPr/>
         </p:nvSpPr>
         <p:spPr>
           <a:xfrm>
-            <a:off x="9882910" y="65615"/>
-            <a:ext cx="3172375" cy="369332"/>
+            <a:off x="2872509" y="3625960"/>
+            <a:ext cx="5541818" cy="984885"/>
           </a:xfrm>
           <a:prstGeom prst="rect">
             <a:avLst/>
@@ -7599,25 +8195,19 @@
           <a:lstStyle/>
           <a:p>
             <a:r>
-              <a:rPr lang="en-US" dirty="0" smtClean="0">
-                <a:solidFill>
-                  <a:schemeClr val="bg1"/>
-                </a:solidFill>
-              </a:rPr>
-              <a:t>Table Name – to-do</a:t>
-            </a:r>
-            <a:endParaRPr lang="en-US" dirty="0">
-              <a:solidFill>
-                <a:schemeClr val="bg1"/>
-              </a:solidFill>
-            </a:endParaRPr>
+              <a:rPr lang="en-US" sz="4000" dirty="0"/>
+              <a:t>Dashboard-features</a:t>
+            </a:r>
+          </a:p>
+          <a:p>
+            <a:endParaRPr lang="en-US" dirty="0"/>
           </a:p>
         </p:txBody>
       </p:sp>
     </p:spTree>
     <p:extLst>
       <p:ext uri="{BB962C8B-B14F-4D97-AF65-F5344CB8AC3E}">
-        <p14:creationId xmlns:p14="http://schemas.microsoft.com/office/powerpoint/2010/main" val="68443433"/>
+        <p14:creationId xmlns:p14="http://schemas.microsoft.com/office/powerpoint/2010/main" val="3908256571"/>
       </p:ext>
     </p:extLst>
   </p:cSld>
@@ -7656,8 +8246,8 @@
         </p:nvSpPr>
         <p:spPr>
           <a:xfrm>
-            <a:off x="-282070" y="1652586"/>
-            <a:ext cx="7766936" cy="1646302"/>
+            <a:off x="-4962773" y="484092"/>
+            <a:ext cx="9515163" cy="1495895"/>
           </a:xfrm>
         </p:spPr>
         <p:txBody>
@@ -7665,23 +8255,93 @@
           <a:lstStyle/>
           <a:p>
             <a:r>
-              <a:rPr lang="en-US" sz="9600" dirty="0" smtClean="0"/>
-              <a:t>Admin</a:t>
-            </a:r>
-            <a:endParaRPr lang="en-US" sz="9600" dirty="0"/>
-          </a:p>
-        </p:txBody>
-      </p:sp>
-      <p:sp>
-        <p:nvSpPr>
-          <p:cNvPr id="4" name="TextBox 3"/>
+              <a:rPr lang="en-US" b="1" dirty="0" smtClean="0"/>
+              <a:t> </a:t>
+            </a:r>
+            <a:r>
+              <a:rPr lang="en-US" b="1" dirty="0" err="1" smtClean="0"/>
+              <a:t>ToDo</a:t>
+            </a:r>
+            <a:r>
+              <a:rPr lang="en-US" b="1" dirty="0" smtClean="0"/>
+              <a:t> List     </a:t>
+            </a:r>
+            <a:br>
+              <a:rPr lang="en-US" b="1" dirty="0" smtClean="0"/>
+            </a:br>
+            <a:endParaRPr lang="en-US" sz="3600" dirty="0"/>
+          </a:p>
+        </p:txBody>
+      </p:sp>
+      <p:sp>
+        <p:nvSpPr>
+          <p:cNvPr id="3" name="Subtitle 2"/>
+          <p:cNvSpPr>
+            <a:spLocks noGrp="1"/>
+          </p:cNvSpPr>
+          <p:nvPr>
+            <p:ph type="subTitle" idx="1"/>
+          </p:nvPr>
+        </p:nvSpPr>
+        <p:spPr>
+          <a:xfrm>
+            <a:off x="1219200" y="1431537"/>
+            <a:ext cx="5804662" cy="1096899"/>
+          </a:xfrm>
+        </p:spPr>
+        <p:txBody>
+          <a:bodyPr>
+            <a:normAutofit/>
+          </a:bodyPr>
+          <a:lstStyle/>
+          <a:p>
+            <a:r>
+              <a:rPr lang="en-US" sz="3600" dirty="0"/>
+              <a:t>-Volunteer/Event Manager</a:t>
+            </a:r>
+          </a:p>
+        </p:txBody>
+      </p:sp>
+      <p:pic>
+        <p:nvPicPr>
+          <p:cNvPr id="4" name="Picture 3"/>
+          <p:cNvPicPr>
+            <a:picLocks noChangeAspect="1"/>
+          </p:cNvPicPr>
+          <p:nvPr/>
+        </p:nvPicPr>
+        <p:blipFill>
+          <a:blip r:embed="rId2">
+            <a:extLst>
+              <a:ext uri="{28A0092B-C50C-407E-A947-70E740481C1C}">
+                <a14:useLocalDpi xmlns:a14="http://schemas.microsoft.com/office/drawing/2010/main" val="0"/>
+              </a:ext>
+            </a:extLst>
+          </a:blip>
+          <a:stretch>
+            <a:fillRect/>
+          </a:stretch>
+        </p:blipFill>
+        <p:spPr>
+          <a:xfrm>
+            <a:off x="618244" y="2927432"/>
+            <a:ext cx="10701344" cy="2462577"/>
+          </a:xfrm>
+          <a:prstGeom prst="rect">
+            <a:avLst/>
+          </a:prstGeom>
+        </p:spPr>
+      </p:pic>
+      <p:sp>
+        <p:nvSpPr>
+          <p:cNvPr id="5" name="TextBox 4"/>
           <p:cNvSpPr txBox="1"/>
           <p:nvPr/>
         </p:nvSpPr>
         <p:spPr>
           <a:xfrm>
-            <a:off x="3398983" y="3158836"/>
-            <a:ext cx="6049818" cy="1261884"/>
+            <a:off x="9882910" y="65615"/>
+            <a:ext cx="3172375" cy="369332"/>
           </a:xfrm>
           <a:prstGeom prst="rect">
             <a:avLst/>
@@ -7695,22 +8355,25 @@
           <a:lstStyle/>
           <a:p>
             <a:r>
-              <a:rPr lang="en-US" sz="4000" dirty="0"/>
-              <a:t>Dashboard-features</a:t>
-            </a:r>
-          </a:p>
-          <a:p>
-            <a:endParaRPr lang="en-US" dirty="0"/>
-          </a:p>
-          <a:p>
-            <a:endParaRPr lang="en-US" dirty="0"/>
+              <a:rPr lang="en-US" dirty="0" smtClean="0">
+                <a:solidFill>
+                  <a:schemeClr val="bg1"/>
+                </a:solidFill>
+              </a:rPr>
+              <a:t>Table Name – to-do</a:t>
+            </a:r>
+            <a:endParaRPr lang="en-US" dirty="0">
+              <a:solidFill>
+                <a:schemeClr val="bg1"/>
+              </a:solidFill>
+            </a:endParaRPr>
           </a:p>
         </p:txBody>
       </p:sp>
     </p:spTree>
     <p:extLst>
       <p:ext uri="{BB962C8B-B14F-4D97-AF65-F5344CB8AC3E}">
-        <p14:creationId xmlns:p14="http://schemas.microsoft.com/office/powerpoint/2010/main" val="2428136184"/>
+        <p14:creationId xmlns:p14="http://schemas.microsoft.com/office/powerpoint/2010/main" val="68443433"/>
       </p:ext>
     </p:extLst>
   </p:cSld>
